--- a/Network-Security/Module_1 Internetworking/Lesson_3_PCAP.pptx
+++ b/Network-Security/Module_1 Internetworking/Lesson_3_PCAP.pptx
@@ -284,7 +284,7 @@
               <a:pPr>
                 <a:defRPr/>
               </a:pPr>
-              <a:t>3/31/2018</a:t>
+              <a:t>4/3/2018</a:t>
             </a:fld>
             <a:endParaRPr lang="en-US"/>
           </a:p>
@@ -5563,8 +5563,8 @@
           <a:lstStyle/>
           <a:p>
             <a:r>
-              <a:rPr lang="en-US" altLang="en-US"/>
-              <a:t>Transport Layer</a:t>
+              <a:rPr lang="en-US" altLang="en-US" dirty="0"/>
+              <a:t>IP Header</a:t>
             </a:r>
           </a:p>
         </p:txBody>
@@ -8868,8 +8868,8 @@
           <a:lstStyle/>
           <a:p>
             <a:r>
-              <a:rPr lang="en-US" altLang="en-US"/>
-              <a:t>Transport Layer</a:t>
+              <a:rPr lang="en-US" altLang="en-US" dirty="0"/>
+              <a:t>TCP Header</a:t>
             </a:r>
           </a:p>
         </p:txBody>
@@ -11889,6 +11889,9 @@
         </p:txBody>
       </p:sp>
     </p:spTree>
+    <p:custDataLst>
+      <p:tags r:id="rId1"/>
+    </p:custDataLst>
     <p:extLst>
       <p:ext uri="{BB962C8B-B14F-4D97-AF65-F5344CB8AC3E}">
         <p14:creationId xmlns:p14="http://schemas.microsoft.com/office/powerpoint/2010/main" val="753152418"/>
@@ -13575,6 +13578,9 @@
         </p:txBody>
       </p:sp>
     </p:spTree>
+    <p:custDataLst>
+      <p:tags r:id="rId1"/>
+    </p:custDataLst>
     <p:extLst>
       <p:ext uri="{BB962C8B-B14F-4D97-AF65-F5344CB8AC3E}">
         <p14:creationId xmlns:p14="http://schemas.microsoft.com/office/powerpoint/2010/main" val="417860215"/>
@@ -13596,8 +13602,8 @@
   <p:tag name="ARTICULATE_PROJECT_CHECK" val="0"/>
   <p:tag name="TAG_BACKING_FORM_KEY" val="16519558-k:\cnap\netsec course\lectures\module_1\lesson 1 networking overview.pptx"/>
   <p:tag name="ARTICULATE_PRESENTER_VERSION" val="8"/>
+  <p:tag name="ARTICULATE_SLIDE_COUNT" val="17"/>
   <p:tag name="ARTICULATE_PROJECT_OPEN" val="0"/>
-  <p:tag name="ARTICULATE_SLIDE_COUNT" val="16"/>
 </p:tagLst>
 </file>
 
@@ -13623,14 +13629,14 @@
 
 <file path=ppt/tags/tag13.xml><?xml version="1.0" encoding="utf-8"?>
 <p:tagLst xmlns:a="http://schemas.openxmlformats.org/drawingml/2006/main" xmlns:r="http://schemas.openxmlformats.org/officeDocument/2006/relationships" xmlns:p="http://schemas.openxmlformats.org/presentationml/2006/main">
-  <p:tag name="AUDIO_ID" val="303"/>
-  <p:tag name="ARTICULATE_USED_LAYOUT" val="2"/>
   <p:tag name="ARTICULATE_SLIDE_THUMBNAIL_REFRESH" val="1"/>
 </p:tagLst>
 </file>
 
 <file path=ppt/tags/tag14.xml><?xml version="1.0" encoding="utf-8"?>
 <p:tagLst xmlns:a="http://schemas.openxmlformats.org/drawingml/2006/main" xmlns:r="http://schemas.openxmlformats.org/officeDocument/2006/relationships" xmlns:p="http://schemas.openxmlformats.org/presentationml/2006/main">
+  <p:tag name="AUDIO_ID" val="303"/>
+  <p:tag name="ARTICULATE_USED_LAYOUT" val="2"/>
   <p:tag name="ARTICULATE_SLIDE_THUMBNAIL_REFRESH" val="1"/>
 </p:tagLst>
 </file>
@@ -13708,6 +13714,18 @@
 </file>
 
 <file path=ppt/tags/tag26.xml><?xml version="1.0" encoding="utf-8"?>
+<p:tagLst xmlns:a="http://schemas.openxmlformats.org/drawingml/2006/main" xmlns:r="http://schemas.openxmlformats.org/officeDocument/2006/relationships" xmlns:p="http://schemas.openxmlformats.org/presentationml/2006/main">
+  <p:tag name="ARTICULATE_SLIDE_THUMBNAIL_REFRESH" val="1"/>
+</p:tagLst>
+</file>
+
+<file path=ppt/tags/tag27.xml><?xml version="1.0" encoding="utf-8"?>
+<p:tagLst xmlns:a="http://schemas.openxmlformats.org/drawingml/2006/main" xmlns:r="http://schemas.openxmlformats.org/officeDocument/2006/relationships" xmlns:p="http://schemas.openxmlformats.org/presentationml/2006/main">
+  <p:tag name="ARTICULATE_SLIDE_THUMBNAIL_REFRESH" val="1"/>
+</p:tagLst>
+</file>
+
+<file path=ppt/tags/tag28.xml><?xml version="1.0" encoding="utf-8"?>
 <p:tagLst xmlns:a="http://schemas.openxmlformats.org/drawingml/2006/main" xmlns:r="http://schemas.openxmlformats.org/officeDocument/2006/relationships" xmlns:p="http://schemas.openxmlformats.org/presentationml/2006/main">
   <p:tag name="AUDIO_ID" val="333"/>
   <p:tag name="ARTICULATE_USED_LAYOUT" val="9"/>

--- a/Network-Security/Module_1 Internetworking/Lesson_3_PCAP.pptx
+++ b/Network-Security/Module_1 Internetworking/Lesson_3_PCAP.pptx
@@ -284,7 +284,7 @@
               <a:pPr>
                 <a:defRPr/>
               </a:pPr>
-              <a:t>4/3/2018</a:t>
+              <a:t>4/20/18</a:t>
             </a:fld>
             <a:endParaRPr lang="en-US"/>
           </a:p>
@@ -3039,7 +3039,7 @@
           <p:cNvPr id="2" name="Title 1">
             <a:extLst>
               <a:ext uri="{FF2B5EF4-FFF2-40B4-BE49-F238E27FC236}">
-                <a16:creationId xmlns:a16="http://schemas.microsoft.com/office/drawing/2014/main" id="{5C287DE2-E1A2-4F41-96FE-94AF4425CB03}"/>
+                <a16:creationId xmlns:a16="http://schemas.microsoft.com/office/drawing/2014/main" xmlns="" id="{5C287DE2-E1A2-4F41-96FE-94AF4425CB03}"/>
               </a:ext>
             </a:extLst>
           </p:cNvPr>
@@ -3064,6 +3064,10 @@
             </a:lvl1pPr>
           </a:lstStyle>
           <a:p>
+            <a:r>
+              <a:rPr lang="en-US" dirty="0"/>
+              <a:t/>
+            </a:r>
             <a:br>
               <a:rPr lang="en-US" dirty="0"/>
             </a:br>
@@ -3081,27 +3085,59 @@
             <a:br>
               <a:rPr lang="en-US" dirty="0"/>
             </a:br>
+            <a:r>
+              <a:rPr lang="en-US" dirty="0"/>
+              <a:t/>
+            </a:r>
             <a:br>
               <a:rPr lang="en-US" dirty="0"/>
             </a:br>
+            <a:r>
+              <a:rPr lang="en-US" dirty="0"/>
+              <a:t/>
+            </a:r>
             <a:br>
               <a:rPr lang="en-US" dirty="0"/>
             </a:br>
+            <a:r>
+              <a:rPr lang="en-US" dirty="0"/>
+              <a:t/>
+            </a:r>
             <a:br>
               <a:rPr lang="en-US" dirty="0"/>
             </a:br>
+            <a:r>
+              <a:rPr lang="en-US" dirty="0"/>
+              <a:t/>
+            </a:r>
             <a:br>
               <a:rPr lang="en-US" dirty="0"/>
             </a:br>
+            <a:r>
+              <a:rPr lang="en-US" dirty="0"/>
+              <a:t/>
+            </a:r>
             <a:br>
               <a:rPr lang="en-US" dirty="0"/>
             </a:br>
+            <a:r>
+              <a:rPr lang="en-US" dirty="0"/>
+              <a:t/>
+            </a:r>
             <a:br>
               <a:rPr lang="en-US" dirty="0"/>
             </a:br>
+            <a:r>
+              <a:rPr lang="en-US" dirty="0"/>
+              <a:t/>
+            </a:r>
             <a:br>
               <a:rPr lang="en-US" dirty="0"/>
             </a:br>
+            <a:r>
+              <a:rPr lang="en-US" dirty="0"/>
+              <a:t/>
+            </a:r>
             <a:br>
               <a:rPr lang="en-US" dirty="0"/>
             </a:br>
@@ -3112,6 +3148,10 @@
             <a:br>
               <a:rPr lang="en-US" dirty="0"/>
             </a:br>
+            <a:r>
+              <a:rPr lang="en-US" dirty="0"/>
+              <a:t/>
+            </a:r>
             <a:br>
               <a:rPr lang="en-US" dirty="0"/>
             </a:br>
@@ -3122,6 +3162,10 @@
             <a:br>
               <a:rPr lang="en-US" dirty="0"/>
             </a:br>
+            <a:r>
+              <a:rPr lang="en-US" dirty="0"/>
+              <a:t/>
+            </a:r>
             <a:br>
               <a:rPr lang="en-US" dirty="0"/>
             </a:br>
@@ -3141,7 +3185,7 @@
           <p:cNvPr id="3" name="Slide Number Placeholder 2">
             <a:extLst>
               <a:ext uri="{FF2B5EF4-FFF2-40B4-BE49-F238E27FC236}">
-                <a16:creationId xmlns:a16="http://schemas.microsoft.com/office/drawing/2014/main" id="{7D2FFADE-E1BC-48C1-83AA-6DDDD39A33C4}"/>
+                <a16:creationId xmlns:a16="http://schemas.microsoft.com/office/drawing/2014/main" xmlns="" id="{7D2FFADE-E1BC-48C1-83AA-6DDDD39A33C4}"/>
               </a:ext>
             </a:extLst>
           </p:cNvPr>
@@ -3176,7 +3220,7 @@
           <p:cNvPr id="9" name="Picture 8">
             <a:extLst>
               <a:ext uri="{FF2B5EF4-FFF2-40B4-BE49-F238E27FC236}">
-                <a16:creationId xmlns:a16="http://schemas.microsoft.com/office/drawing/2014/main" id="{9CBFC76A-A606-42CF-BCDF-C73975C150B9}"/>
+                <a16:creationId xmlns:a16="http://schemas.microsoft.com/office/drawing/2014/main" xmlns="" id="{9CBFC76A-A606-42CF-BCDF-C73975C150B9}"/>
               </a:ext>
             </a:extLst>
           </p:cNvPr>
@@ -4153,9 +4197,17 @@
           <a:bodyPr/>
           <a:lstStyle/>
           <a:p>
+            <a:r>
+              <a:rPr lang="en-US" dirty="0"/>
+              <a:t/>
+            </a:r>
             <a:br>
               <a:rPr lang="en-US" dirty="0"/>
             </a:br>
+            <a:r>
+              <a:rPr lang="en-US" dirty="0"/>
+              <a:t/>
+            </a:r>
             <a:br>
               <a:rPr lang="en-US" dirty="0"/>
             </a:br>
@@ -4221,7 +4273,7 @@
           <p:cNvPr id="2" name="Title 1">
             <a:extLst>
               <a:ext uri="{FF2B5EF4-FFF2-40B4-BE49-F238E27FC236}">
-                <a16:creationId xmlns:a16="http://schemas.microsoft.com/office/drawing/2014/main" id="{DAC8EDDC-5077-4887-8664-D2BB1F00EFD5}"/>
+                <a16:creationId xmlns:a16="http://schemas.microsoft.com/office/drawing/2014/main" xmlns="" id="{DAC8EDDC-5077-4887-8664-D2BB1F00EFD5}"/>
               </a:ext>
             </a:extLst>
           </p:cNvPr>
@@ -4249,7 +4301,7 @@
           <p:cNvPr id="3" name="Content Placeholder 2">
             <a:extLst>
               <a:ext uri="{FF2B5EF4-FFF2-40B4-BE49-F238E27FC236}">
-                <a16:creationId xmlns:a16="http://schemas.microsoft.com/office/drawing/2014/main" id="{1CFC6EDD-3266-449F-87A3-9248E63DA4D2}"/>
+                <a16:creationId xmlns:a16="http://schemas.microsoft.com/office/drawing/2014/main" xmlns="" id="{1CFC6EDD-3266-449F-87A3-9248E63DA4D2}"/>
               </a:ext>
             </a:extLst>
           </p:cNvPr>
@@ -4537,7 +4589,7 @@
           <p:cNvPr id="4" name="Slide Number Placeholder 3">
             <a:extLst>
               <a:ext uri="{FF2B5EF4-FFF2-40B4-BE49-F238E27FC236}">
-                <a16:creationId xmlns:a16="http://schemas.microsoft.com/office/drawing/2014/main" id="{C13F60FC-B11D-41AC-97CB-BBFDBC850D3E}"/>
+                <a16:creationId xmlns:a16="http://schemas.microsoft.com/office/drawing/2014/main" xmlns="" id="{C13F60FC-B11D-41AC-97CB-BBFDBC850D3E}"/>
               </a:ext>
             </a:extLst>
           </p:cNvPr>
@@ -4605,7 +4657,7 @@
           <p:cNvPr id="2" name="Title 1">
             <a:extLst>
               <a:ext uri="{FF2B5EF4-FFF2-40B4-BE49-F238E27FC236}">
-                <a16:creationId xmlns:a16="http://schemas.microsoft.com/office/drawing/2014/main" id="{2AAB08F0-0D6B-4DDA-961E-69FA16F1461D}"/>
+                <a16:creationId xmlns:a16="http://schemas.microsoft.com/office/drawing/2014/main" xmlns="" id="{2AAB08F0-0D6B-4DDA-961E-69FA16F1461D}"/>
               </a:ext>
             </a:extLst>
           </p:cNvPr>
@@ -4633,7 +4685,7 @@
           <p:cNvPr id="3" name="Content Placeholder 2">
             <a:extLst>
               <a:ext uri="{FF2B5EF4-FFF2-40B4-BE49-F238E27FC236}">
-                <a16:creationId xmlns:a16="http://schemas.microsoft.com/office/drawing/2014/main" id="{5C840505-92A5-4067-8A08-4058FCFE3D82}"/>
+                <a16:creationId xmlns:a16="http://schemas.microsoft.com/office/drawing/2014/main" xmlns="" id="{5C840505-92A5-4067-8A08-4058FCFE3D82}"/>
               </a:ext>
             </a:extLst>
           </p:cNvPr>
@@ -4788,7 +4840,7 @@
           <p:cNvPr id="4" name="Slide Number Placeholder 3">
             <a:extLst>
               <a:ext uri="{FF2B5EF4-FFF2-40B4-BE49-F238E27FC236}">
-                <a16:creationId xmlns:a16="http://schemas.microsoft.com/office/drawing/2014/main" id="{6E50A4E4-D242-4214-9716-2049BF8BE5BF}"/>
+                <a16:creationId xmlns:a16="http://schemas.microsoft.com/office/drawing/2014/main" xmlns="" id="{6E50A4E4-D242-4214-9716-2049BF8BE5BF}"/>
               </a:ext>
             </a:extLst>
           </p:cNvPr>
@@ -4825,7 +4877,7 @@
               <p:cNvPr id="6" name="Slide Zoom 5">
                 <a:extLst>
                   <a:ext uri="{FF2B5EF4-FFF2-40B4-BE49-F238E27FC236}">
-                    <a16:creationId xmlns:a16="http://schemas.microsoft.com/office/drawing/2014/main" id="{E7C5CD42-8512-4AAA-A3A0-1D2D8035F859}"/>
+                    <a16:creationId xmlns:a16="http://schemas.microsoft.com/office/drawing/2014/main" xmlns="" id="{E7C5CD42-8512-4AAA-A3A0-1D2D8035F859}"/>
                   </a:ext>
                 </a:extLst>
               </p:cNvPr>
@@ -4953,7 +5005,7 @@
           <p:cNvPr id="2" name="Title 1">
             <a:extLst>
               <a:ext uri="{FF2B5EF4-FFF2-40B4-BE49-F238E27FC236}">
-                <a16:creationId xmlns:a16="http://schemas.microsoft.com/office/drawing/2014/main" id="{D0124319-D849-432A-A689-B0653DE5B24A}"/>
+                <a16:creationId xmlns:a16="http://schemas.microsoft.com/office/drawing/2014/main" xmlns="" id="{D0124319-D849-432A-A689-B0653DE5B24A}"/>
               </a:ext>
             </a:extLst>
           </p:cNvPr>
@@ -4981,7 +5033,7 @@
           <p:cNvPr id="3" name="Content Placeholder 2">
             <a:extLst>
               <a:ext uri="{FF2B5EF4-FFF2-40B4-BE49-F238E27FC236}">
-                <a16:creationId xmlns:a16="http://schemas.microsoft.com/office/drawing/2014/main" id="{70EF4953-1D41-47A1-B7EE-F0901878753C}"/>
+                <a16:creationId xmlns:a16="http://schemas.microsoft.com/office/drawing/2014/main" xmlns="" id="{70EF4953-1D41-47A1-B7EE-F0901878753C}"/>
               </a:ext>
             </a:extLst>
           </p:cNvPr>
@@ -5094,7 +5146,7 @@
           <p:cNvPr id="4" name="Slide Number Placeholder 3">
             <a:extLst>
               <a:ext uri="{FF2B5EF4-FFF2-40B4-BE49-F238E27FC236}">
-                <a16:creationId xmlns:a16="http://schemas.microsoft.com/office/drawing/2014/main" id="{DB256C13-E84E-4889-B565-EEE9E1DF0D72}"/>
+                <a16:creationId xmlns:a16="http://schemas.microsoft.com/office/drawing/2014/main" xmlns="" id="{DB256C13-E84E-4889-B565-EEE9E1DF0D72}"/>
               </a:ext>
             </a:extLst>
           </p:cNvPr>
@@ -5162,7 +5214,7 @@
           <p:cNvPr id="2" name="Title 1">
             <a:extLst>
               <a:ext uri="{FF2B5EF4-FFF2-40B4-BE49-F238E27FC236}">
-                <a16:creationId xmlns:a16="http://schemas.microsoft.com/office/drawing/2014/main" id="{CDB86AE4-3534-45D0-ACD6-2671080953B8}"/>
+                <a16:creationId xmlns:a16="http://schemas.microsoft.com/office/drawing/2014/main" xmlns="" id="{CDB86AE4-3534-45D0-ACD6-2671080953B8}"/>
               </a:ext>
             </a:extLst>
           </p:cNvPr>
@@ -5190,7 +5242,7 @@
           <p:cNvPr id="3" name="Content Placeholder 2">
             <a:extLst>
               <a:ext uri="{FF2B5EF4-FFF2-40B4-BE49-F238E27FC236}">
-                <a16:creationId xmlns:a16="http://schemas.microsoft.com/office/drawing/2014/main" id="{6AA1A647-810B-4E7B-924E-1FDE8EB094F6}"/>
+                <a16:creationId xmlns:a16="http://schemas.microsoft.com/office/drawing/2014/main" xmlns="" id="{6AA1A647-810B-4E7B-924E-1FDE8EB094F6}"/>
               </a:ext>
             </a:extLst>
           </p:cNvPr>
@@ -5244,7 +5296,7 @@
           <p:cNvPr id="4" name="Slide Number Placeholder 3">
             <a:extLst>
               <a:ext uri="{FF2B5EF4-FFF2-40B4-BE49-F238E27FC236}">
-                <a16:creationId xmlns:a16="http://schemas.microsoft.com/office/drawing/2014/main" id="{998B1E70-C35F-4F0E-8020-AF2B2CC5E564}"/>
+                <a16:creationId xmlns:a16="http://schemas.microsoft.com/office/drawing/2014/main" xmlns="" id="{998B1E70-C35F-4F0E-8020-AF2B2CC5E564}"/>
               </a:ext>
             </a:extLst>
           </p:cNvPr>
@@ -5312,7 +5364,7 @@
           <p:cNvPr id="2" name="Title 1">
             <a:extLst>
               <a:ext uri="{FF2B5EF4-FFF2-40B4-BE49-F238E27FC236}">
-                <a16:creationId xmlns:a16="http://schemas.microsoft.com/office/drawing/2014/main" id="{8EB18F0D-2B3A-4208-AFC6-A9D4EE921740}"/>
+                <a16:creationId xmlns:a16="http://schemas.microsoft.com/office/drawing/2014/main" xmlns="" id="{8EB18F0D-2B3A-4208-AFC6-A9D4EE921740}"/>
               </a:ext>
             </a:extLst>
           </p:cNvPr>
@@ -5340,7 +5392,7 @@
           <p:cNvPr id="5" name="Content Placeholder 4">
             <a:extLst>
               <a:ext uri="{FF2B5EF4-FFF2-40B4-BE49-F238E27FC236}">
-                <a16:creationId xmlns:a16="http://schemas.microsoft.com/office/drawing/2014/main" id="{47EBD377-2761-45E3-A0E2-4F695D27D46B}"/>
+                <a16:creationId xmlns:a16="http://schemas.microsoft.com/office/drawing/2014/main" xmlns="" id="{47EBD377-2761-45E3-A0E2-4F695D27D46B}"/>
               </a:ext>
             </a:extLst>
           </p:cNvPr>
@@ -5370,35 +5422,35 @@
                 <a:gridCol w="1577340">
                   <a:extLst>
                     <a:ext uri="{9D8B030D-6E8A-4147-A177-3AD203B41FA5}">
-                      <a16:colId xmlns:a16="http://schemas.microsoft.com/office/drawing/2014/main" val="2175999524"/>
+                      <a16:colId xmlns:a16="http://schemas.microsoft.com/office/drawing/2014/main" xmlns="" val="2175999524"/>
                     </a:ext>
                   </a:extLst>
                 </a:gridCol>
                 <a:gridCol w="1577340">
                   <a:extLst>
                     <a:ext uri="{9D8B030D-6E8A-4147-A177-3AD203B41FA5}">
-                      <a16:colId xmlns:a16="http://schemas.microsoft.com/office/drawing/2014/main" val="874828434"/>
+                      <a16:colId xmlns:a16="http://schemas.microsoft.com/office/drawing/2014/main" xmlns="" val="874828434"/>
                     </a:ext>
                   </a:extLst>
                 </a:gridCol>
                 <a:gridCol w="1577340">
                   <a:extLst>
                     <a:ext uri="{9D8B030D-6E8A-4147-A177-3AD203B41FA5}">
-                      <a16:colId xmlns:a16="http://schemas.microsoft.com/office/drawing/2014/main" val="1465961062"/>
+                      <a16:colId xmlns:a16="http://schemas.microsoft.com/office/drawing/2014/main" xmlns="" val="1465961062"/>
                     </a:ext>
                   </a:extLst>
                 </a:gridCol>
                 <a:gridCol w="1577340">
                   <a:extLst>
                     <a:ext uri="{9D8B030D-6E8A-4147-A177-3AD203B41FA5}">
-                      <a16:colId xmlns:a16="http://schemas.microsoft.com/office/drawing/2014/main" val="3559312927"/>
+                      <a16:colId xmlns:a16="http://schemas.microsoft.com/office/drawing/2014/main" xmlns="" val="3559312927"/>
                     </a:ext>
                   </a:extLst>
                 </a:gridCol>
                 <a:gridCol w="1577340">
                   <a:extLst>
                     <a:ext uri="{9D8B030D-6E8A-4147-A177-3AD203B41FA5}">
-                      <a16:colId xmlns:a16="http://schemas.microsoft.com/office/drawing/2014/main" val="2948913033"/>
+                      <a16:colId xmlns:a16="http://schemas.microsoft.com/office/drawing/2014/main" xmlns="" val="2948913033"/>
                     </a:ext>
                   </a:extLst>
                 </a:gridCol>
@@ -5471,7 +5523,7 @@
                 </a:tc>
                 <a:extLst>
                   <a:ext uri="{0D108BD9-81ED-4DB2-BD59-A6C34878D82A}">
-                    <a16:rowId xmlns:a16="http://schemas.microsoft.com/office/drawing/2014/main" val="2393481616"/>
+                    <a16:rowId xmlns:a16="http://schemas.microsoft.com/office/drawing/2014/main" xmlns="" val="2393481616"/>
                   </a:ext>
                 </a:extLst>
               </a:tr>
@@ -5484,7 +5536,7 @@
           <p:cNvPr id="4" name="Slide Number Placeholder 3">
             <a:extLst>
               <a:ext uri="{FF2B5EF4-FFF2-40B4-BE49-F238E27FC236}">
-                <a16:creationId xmlns:a16="http://schemas.microsoft.com/office/drawing/2014/main" id="{3D61B987-BD4A-46D0-84BA-7E207B1751D9}"/>
+                <a16:creationId xmlns:a16="http://schemas.microsoft.com/office/drawing/2014/main" xmlns="" id="{3D61B987-BD4A-46D0-84BA-7E207B1751D9}"/>
               </a:ext>
             </a:extLst>
           </p:cNvPr>
@@ -5563,8 +5615,8 @@
           <a:lstStyle/>
           <a:p>
             <a:r>
-              <a:rPr lang="en-US" altLang="en-US" dirty="0"/>
-              <a:t>IP Header</a:t>
+              <a:rPr lang="en-US" altLang="en-US"/>
+              <a:t>Transport Layer</a:t>
             </a:r>
           </a:p>
         </p:txBody>
@@ -7400,7 +7452,7 @@
           <p:cNvPr id="34" name="Rectangle 7">
             <a:extLst>
               <a:ext uri="{FF2B5EF4-FFF2-40B4-BE49-F238E27FC236}">
-                <a16:creationId xmlns:a16="http://schemas.microsoft.com/office/drawing/2014/main" id="{3D246FED-DD2D-460C-94BB-0BC9D3B82076}"/>
+                <a16:creationId xmlns:a16="http://schemas.microsoft.com/office/drawing/2014/main" xmlns="" id="{3D246FED-DD2D-460C-94BB-0BC9D3B82076}"/>
               </a:ext>
             </a:extLst>
           </p:cNvPr>
@@ -7551,7 +7603,7 @@
           <p:cNvPr id="36" name="Rectangle 8">
             <a:extLst>
               <a:ext uri="{FF2B5EF4-FFF2-40B4-BE49-F238E27FC236}">
-                <a16:creationId xmlns:a16="http://schemas.microsoft.com/office/drawing/2014/main" id="{C4A99E45-ED0B-499B-8E23-6A4094725866}"/>
+                <a16:creationId xmlns:a16="http://schemas.microsoft.com/office/drawing/2014/main" xmlns="" id="{C4A99E45-ED0B-499B-8E23-6A4094725866}"/>
               </a:ext>
             </a:extLst>
           </p:cNvPr>
@@ -7707,7 +7759,7 @@
           <p:cNvPr id="38" name="Rectangle 7">
             <a:extLst>
               <a:ext uri="{FF2B5EF4-FFF2-40B4-BE49-F238E27FC236}">
-                <a16:creationId xmlns:a16="http://schemas.microsoft.com/office/drawing/2014/main" id="{4FCF02AE-4737-4845-B70A-6548DC5F39D4}"/>
+                <a16:creationId xmlns:a16="http://schemas.microsoft.com/office/drawing/2014/main" xmlns="" id="{4FCF02AE-4737-4845-B70A-6548DC5F39D4}"/>
               </a:ext>
             </a:extLst>
           </p:cNvPr>
@@ -7858,7 +7910,7 @@
           <p:cNvPr id="39" name="Rectangle 8">
             <a:extLst>
               <a:ext uri="{FF2B5EF4-FFF2-40B4-BE49-F238E27FC236}">
-                <a16:creationId xmlns:a16="http://schemas.microsoft.com/office/drawing/2014/main" id="{7F286036-03D6-403F-B11B-A5457648E391}"/>
+                <a16:creationId xmlns:a16="http://schemas.microsoft.com/office/drawing/2014/main" xmlns="" id="{7F286036-03D6-403F-B11B-A5457648E391}"/>
               </a:ext>
             </a:extLst>
           </p:cNvPr>
@@ -8014,7 +8066,7 @@
           <p:cNvPr id="40" name="Rectangle 22">
             <a:extLst>
               <a:ext uri="{FF2B5EF4-FFF2-40B4-BE49-F238E27FC236}">
-                <a16:creationId xmlns:a16="http://schemas.microsoft.com/office/drawing/2014/main" id="{06A40956-FAA2-4B52-A5E8-23A139D553E6}"/>
+                <a16:creationId xmlns:a16="http://schemas.microsoft.com/office/drawing/2014/main" xmlns="" id="{06A40956-FAA2-4B52-A5E8-23A139D553E6}"/>
               </a:ext>
             </a:extLst>
           </p:cNvPr>
@@ -8166,7 +8218,7 @@
           <p:cNvPr id="41" name="Rectangle 9">
             <a:extLst>
               <a:ext uri="{FF2B5EF4-FFF2-40B4-BE49-F238E27FC236}">
-                <a16:creationId xmlns:a16="http://schemas.microsoft.com/office/drawing/2014/main" id="{285925DD-4E9E-45D4-9AAE-9A5DE5DEB484}"/>
+                <a16:creationId xmlns:a16="http://schemas.microsoft.com/office/drawing/2014/main" xmlns="" id="{285925DD-4E9E-45D4-9AAE-9A5DE5DEB484}"/>
               </a:ext>
             </a:extLst>
           </p:cNvPr>
@@ -8322,7 +8374,7 @@
           <p:cNvPr id="42" name="Rectangle 9">
             <a:extLst>
               <a:ext uri="{FF2B5EF4-FFF2-40B4-BE49-F238E27FC236}">
-                <a16:creationId xmlns:a16="http://schemas.microsoft.com/office/drawing/2014/main" id="{715B9B01-7546-4864-BC9C-4A1B5AE72374}"/>
+                <a16:creationId xmlns:a16="http://schemas.microsoft.com/office/drawing/2014/main" xmlns="" id="{715B9B01-7546-4864-BC9C-4A1B5AE72374}"/>
               </a:ext>
             </a:extLst>
           </p:cNvPr>
@@ -8478,7 +8530,7 @@
           <p:cNvPr id="44" name="Line 28">
             <a:extLst>
               <a:ext uri="{FF2B5EF4-FFF2-40B4-BE49-F238E27FC236}">
-                <a16:creationId xmlns:a16="http://schemas.microsoft.com/office/drawing/2014/main" id="{3BBC961D-1227-4928-B146-9101F20C79E5}"/>
+                <a16:creationId xmlns:a16="http://schemas.microsoft.com/office/drawing/2014/main" xmlns="" id="{3BBC961D-1227-4928-B146-9101F20C79E5}"/>
               </a:ext>
             </a:extLst>
           </p:cNvPr>
@@ -8525,7 +8577,7 @@
           <p:cNvPr id="45" name="Line 29">
             <a:extLst>
               <a:ext uri="{FF2B5EF4-FFF2-40B4-BE49-F238E27FC236}">
-                <a16:creationId xmlns:a16="http://schemas.microsoft.com/office/drawing/2014/main" id="{3842FCDF-BD13-4090-AE1A-7C767435492D}"/>
+                <a16:creationId xmlns:a16="http://schemas.microsoft.com/office/drawing/2014/main" xmlns="" id="{3842FCDF-BD13-4090-AE1A-7C767435492D}"/>
               </a:ext>
             </a:extLst>
           </p:cNvPr>
@@ -8572,7 +8624,7 @@
           <p:cNvPr id="46" name="Line 30">
             <a:extLst>
               <a:ext uri="{FF2B5EF4-FFF2-40B4-BE49-F238E27FC236}">
-                <a16:creationId xmlns:a16="http://schemas.microsoft.com/office/drawing/2014/main" id="{0F02660A-2EFA-411A-98A2-C104CB970F77}"/>
+                <a16:creationId xmlns:a16="http://schemas.microsoft.com/office/drawing/2014/main" xmlns="" id="{0F02660A-2EFA-411A-98A2-C104CB970F77}"/>
               </a:ext>
             </a:extLst>
           </p:cNvPr>
@@ -8619,7 +8671,7 @@
           <p:cNvPr id="48" name="Rectangle 32">
             <a:extLst>
               <a:ext uri="{FF2B5EF4-FFF2-40B4-BE49-F238E27FC236}">
-                <a16:creationId xmlns:a16="http://schemas.microsoft.com/office/drawing/2014/main" id="{930FBDC4-77E6-4CF2-8443-69D2150FB791}"/>
+                <a16:creationId xmlns:a16="http://schemas.microsoft.com/office/drawing/2014/main" xmlns="" id="{930FBDC4-77E6-4CF2-8443-69D2150FB791}"/>
               </a:ext>
             </a:extLst>
           </p:cNvPr>
@@ -8776,7 +8828,7 @@
           <p:cNvPr id="49" name="Line 30">
             <a:extLst>
               <a:ext uri="{FF2B5EF4-FFF2-40B4-BE49-F238E27FC236}">
-                <a16:creationId xmlns:a16="http://schemas.microsoft.com/office/drawing/2014/main" id="{9E069A4E-0FB3-4547-AA05-8043F7F85395}"/>
+                <a16:creationId xmlns:a16="http://schemas.microsoft.com/office/drawing/2014/main" xmlns="" id="{9E069A4E-0FB3-4547-AA05-8043F7F85395}"/>
               </a:ext>
             </a:extLst>
           </p:cNvPr>
@@ -8868,8 +8920,8 @@
           <a:lstStyle/>
           <a:p>
             <a:r>
-              <a:rPr lang="en-US" altLang="en-US" dirty="0"/>
-              <a:t>TCP Header</a:t>
+              <a:rPr lang="en-US" altLang="en-US"/>
+              <a:t>Transport Layer</a:t>
             </a:r>
           </a:p>
         </p:txBody>
@@ -11671,7 +11723,7 @@
           <p:cNvPr id="11" name="Title 10">
             <a:extLst>
               <a:ext uri="{FF2B5EF4-FFF2-40B4-BE49-F238E27FC236}">
-                <a16:creationId xmlns:a16="http://schemas.microsoft.com/office/drawing/2014/main" id="{1F52A716-5142-4987-84C0-078D1007C406}"/>
+                <a16:creationId xmlns:a16="http://schemas.microsoft.com/office/drawing/2014/main" xmlns="" id="{1F52A716-5142-4987-84C0-078D1007C406}"/>
               </a:ext>
             </a:extLst>
           </p:cNvPr>
@@ -11696,7 +11748,7 @@
           <p:cNvPr id="7" name="Slide Number Placeholder 6">
             <a:extLst>
               <a:ext uri="{FF2B5EF4-FFF2-40B4-BE49-F238E27FC236}">
-                <a16:creationId xmlns:a16="http://schemas.microsoft.com/office/drawing/2014/main" id="{27B55DC7-B95B-4807-B808-1E7A81E0F45A}"/>
+                <a16:creationId xmlns:a16="http://schemas.microsoft.com/office/drawing/2014/main" xmlns="" id="{27B55DC7-B95B-4807-B808-1E7A81E0F45A}"/>
               </a:ext>
             </a:extLst>
           </p:cNvPr>
@@ -11759,7 +11811,7 @@
           <p:cNvPr id="2" name="Title 1">
             <a:extLst>
               <a:ext uri="{FF2B5EF4-FFF2-40B4-BE49-F238E27FC236}">
-                <a16:creationId xmlns:a16="http://schemas.microsoft.com/office/drawing/2014/main" id="{4FDDDE79-84CD-4BD4-8191-64CD17F70EB2}"/>
+                <a16:creationId xmlns:a16="http://schemas.microsoft.com/office/drawing/2014/main" xmlns="" id="{4FDDDE79-84CD-4BD4-8191-64CD17F70EB2}"/>
               </a:ext>
             </a:extLst>
           </p:cNvPr>
@@ -11787,7 +11839,7 @@
           <p:cNvPr id="3" name="Content Placeholder 2">
             <a:extLst>
               <a:ext uri="{FF2B5EF4-FFF2-40B4-BE49-F238E27FC236}">
-                <a16:creationId xmlns:a16="http://schemas.microsoft.com/office/drawing/2014/main" id="{1E11D7D9-AFF5-4F1C-A116-5D460DCCEF0D}"/>
+                <a16:creationId xmlns:a16="http://schemas.microsoft.com/office/drawing/2014/main" xmlns="" id="{1E11D7D9-AFF5-4F1C-A116-5D460DCCEF0D}"/>
               </a:ext>
             </a:extLst>
           </p:cNvPr>
@@ -11858,7 +11910,7 @@
           <p:cNvPr id="4" name="Slide Number Placeholder 3">
             <a:extLst>
               <a:ext uri="{FF2B5EF4-FFF2-40B4-BE49-F238E27FC236}">
-                <a16:creationId xmlns:a16="http://schemas.microsoft.com/office/drawing/2014/main" id="{95BCECBD-F96D-47DA-9A6D-248B240ABC8D}"/>
+                <a16:creationId xmlns:a16="http://schemas.microsoft.com/office/drawing/2014/main" xmlns="" id="{95BCECBD-F96D-47DA-9A6D-248B240ABC8D}"/>
               </a:ext>
             </a:extLst>
           </p:cNvPr>
@@ -11889,9 +11941,6 @@
         </p:txBody>
       </p:sp>
     </p:spTree>
-    <p:custDataLst>
-      <p:tags r:id="rId1"/>
-    </p:custDataLst>
     <p:extLst>
       <p:ext uri="{BB962C8B-B14F-4D97-AF65-F5344CB8AC3E}">
         <p14:creationId xmlns:p14="http://schemas.microsoft.com/office/powerpoint/2010/main" val="753152418"/>
@@ -11984,7 +12033,7 @@
           <p:cNvPr id="3" name="Slide Number Placeholder 2">
             <a:extLst>
               <a:ext uri="{FF2B5EF4-FFF2-40B4-BE49-F238E27FC236}">
-                <a16:creationId xmlns:a16="http://schemas.microsoft.com/office/drawing/2014/main" id="{0B1163B0-19D9-4859-8B88-CD4B646011C3}"/>
+                <a16:creationId xmlns:a16="http://schemas.microsoft.com/office/drawing/2014/main" xmlns="" id="{0B1163B0-19D9-4859-8B88-CD4B646011C3}"/>
               </a:ext>
             </a:extLst>
           </p:cNvPr>
@@ -12047,7 +12096,7 @@
           <p:cNvPr id="2" name="Title 1">
             <a:extLst>
               <a:ext uri="{FF2B5EF4-FFF2-40B4-BE49-F238E27FC236}">
-                <a16:creationId xmlns:a16="http://schemas.microsoft.com/office/drawing/2014/main" id="{653F1216-D54C-404C-8455-0AAF8766C65B}"/>
+                <a16:creationId xmlns:a16="http://schemas.microsoft.com/office/drawing/2014/main" xmlns="" id="{653F1216-D54C-404C-8455-0AAF8766C65B}"/>
               </a:ext>
             </a:extLst>
           </p:cNvPr>
@@ -12075,7 +12124,7 @@
           <p:cNvPr id="3" name="Content Placeholder 2">
             <a:extLst>
               <a:ext uri="{FF2B5EF4-FFF2-40B4-BE49-F238E27FC236}">
-                <a16:creationId xmlns:a16="http://schemas.microsoft.com/office/drawing/2014/main" id="{F51A51E7-3FB2-499B-8551-B9F22808FD70}"/>
+                <a16:creationId xmlns:a16="http://schemas.microsoft.com/office/drawing/2014/main" xmlns="" id="{F51A51E7-3FB2-499B-8551-B9F22808FD70}"/>
               </a:ext>
             </a:extLst>
           </p:cNvPr>
@@ -12159,7 +12208,7 @@
           <p:cNvPr id="4" name="Slide Number Placeholder 3">
             <a:extLst>
               <a:ext uri="{FF2B5EF4-FFF2-40B4-BE49-F238E27FC236}">
-                <a16:creationId xmlns:a16="http://schemas.microsoft.com/office/drawing/2014/main" id="{FE8E8814-E9C8-4BB1-92D8-AD9C5E200166}"/>
+                <a16:creationId xmlns:a16="http://schemas.microsoft.com/office/drawing/2014/main" xmlns="" id="{FE8E8814-E9C8-4BB1-92D8-AD9C5E200166}"/>
               </a:ext>
             </a:extLst>
           </p:cNvPr>
@@ -12227,7 +12276,7 @@
           <p:cNvPr id="2" name="Title 1">
             <a:extLst>
               <a:ext uri="{FF2B5EF4-FFF2-40B4-BE49-F238E27FC236}">
-                <a16:creationId xmlns:a16="http://schemas.microsoft.com/office/drawing/2014/main" id="{5399E8CE-49F0-42CD-A34D-3187700425A8}"/>
+                <a16:creationId xmlns:a16="http://schemas.microsoft.com/office/drawing/2014/main" xmlns="" id="{5399E8CE-49F0-42CD-A34D-3187700425A8}"/>
               </a:ext>
             </a:extLst>
           </p:cNvPr>
@@ -12255,7 +12304,7 @@
           <p:cNvPr id="5" name="Content Placeholder 4">
             <a:extLst>
               <a:ext uri="{FF2B5EF4-FFF2-40B4-BE49-F238E27FC236}">
-                <a16:creationId xmlns:a16="http://schemas.microsoft.com/office/drawing/2014/main" id="{F9D7581E-6E7D-45C3-ADCA-BE311C452516}"/>
+                <a16:creationId xmlns:a16="http://schemas.microsoft.com/office/drawing/2014/main" xmlns="" id="{F9D7581E-6E7D-45C3-ADCA-BE311C452516}"/>
               </a:ext>
             </a:extLst>
           </p:cNvPr>
@@ -12285,49 +12334,49 @@
                 <a:gridCol w="1126671">
                   <a:extLst>
                     <a:ext uri="{9D8B030D-6E8A-4147-A177-3AD203B41FA5}">
-                      <a16:colId xmlns:a16="http://schemas.microsoft.com/office/drawing/2014/main" val="2544065279"/>
+                      <a16:colId xmlns:a16="http://schemas.microsoft.com/office/drawing/2014/main" xmlns="" val="2544065279"/>
                     </a:ext>
                   </a:extLst>
                 </a:gridCol>
                 <a:gridCol w="1126671">
                   <a:extLst>
                     <a:ext uri="{9D8B030D-6E8A-4147-A177-3AD203B41FA5}">
-                      <a16:colId xmlns:a16="http://schemas.microsoft.com/office/drawing/2014/main" val="3918184375"/>
+                      <a16:colId xmlns:a16="http://schemas.microsoft.com/office/drawing/2014/main" xmlns="" val="3918184375"/>
                     </a:ext>
                   </a:extLst>
                 </a:gridCol>
                 <a:gridCol w="1126671">
                   <a:extLst>
                     <a:ext uri="{9D8B030D-6E8A-4147-A177-3AD203B41FA5}">
-                      <a16:colId xmlns:a16="http://schemas.microsoft.com/office/drawing/2014/main" val="4200664565"/>
+                      <a16:colId xmlns:a16="http://schemas.microsoft.com/office/drawing/2014/main" xmlns="" val="4200664565"/>
                     </a:ext>
                   </a:extLst>
                 </a:gridCol>
                 <a:gridCol w="1126671">
                   <a:extLst>
                     <a:ext uri="{9D8B030D-6E8A-4147-A177-3AD203B41FA5}">
-                      <a16:colId xmlns:a16="http://schemas.microsoft.com/office/drawing/2014/main" val="2364420389"/>
+                      <a16:colId xmlns:a16="http://schemas.microsoft.com/office/drawing/2014/main" xmlns="" val="2364420389"/>
                     </a:ext>
                   </a:extLst>
                 </a:gridCol>
                 <a:gridCol w="1126671">
                   <a:extLst>
                     <a:ext uri="{9D8B030D-6E8A-4147-A177-3AD203B41FA5}">
-                      <a16:colId xmlns:a16="http://schemas.microsoft.com/office/drawing/2014/main" val="3777100756"/>
+                      <a16:colId xmlns:a16="http://schemas.microsoft.com/office/drawing/2014/main" xmlns="" val="3777100756"/>
                     </a:ext>
                   </a:extLst>
                 </a:gridCol>
                 <a:gridCol w="1126671">
                   <a:extLst>
                     <a:ext uri="{9D8B030D-6E8A-4147-A177-3AD203B41FA5}">
-                      <a16:colId xmlns:a16="http://schemas.microsoft.com/office/drawing/2014/main" val="1665960758"/>
+                      <a16:colId xmlns:a16="http://schemas.microsoft.com/office/drawing/2014/main" xmlns="" val="1665960758"/>
                     </a:ext>
                   </a:extLst>
                 </a:gridCol>
                 <a:gridCol w="1126671">
                   <a:extLst>
                     <a:ext uri="{9D8B030D-6E8A-4147-A177-3AD203B41FA5}">
-                      <a16:colId xmlns:a16="http://schemas.microsoft.com/office/drawing/2014/main" val="4125320286"/>
+                      <a16:colId xmlns:a16="http://schemas.microsoft.com/office/drawing/2014/main" xmlns="" val="4125320286"/>
                     </a:ext>
                   </a:extLst>
                 </a:gridCol>
@@ -12435,7 +12484,7 @@
                 </a:tc>
                 <a:extLst>
                   <a:ext uri="{0D108BD9-81ED-4DB2-BD59-A6C34878D82A}">
-                    <a16:rowId xmlns:a16="http://schemas.microsoft.com/office/drawing/2014/main" val="3490612483"/>
+                    <a16:rowId xmlns:a16="http://schemas.microsoft.com/office/drawing/2014/main" xmlns="" val="3490612483"/>
                   </a:ext>
                 </a:extLst>
               </a:tr>
@@ -12448,7 +12497,7 @@
           <p:cNvPr id="4" name="Slide Number Placeholder 3">
             <a:extLst>
               <a:ext uri="{FF2B5EF4-FFF2-40B4-BE49-F238E27FC236}">
-                <a16:creationId xmlns:a16="http://schemas.microsoft.com/office/drawing/2014/main" id="{B1673D7D-B298-4176-B04D-5D493E68D135}"/>
+                <a16:creationId xmlns:a16="http://schemas.microsoft.com/office/drawing/2014/main" xmlns="" id="{B1673D7D-B298-4176-B04D-5D493E68D135}"/>
               </a:ext>
             </a:extLst>
           </p:cNvPr>
@@ -12483,7 +12532,7 @@
           <p:cNvPr id="6" name="TextBox 5">
             <a:extLst>
               <a:ext uri="{FF2B5EF4-FFF2-40B4-BE49-F238E27FC236}">
-                <a16:creationId xmlns:a16="http://schemas.microsoft.com/office/drawing/2014/main" id="{C685825E-B038-4BD4-A3E3-E38D0FFAD9DC}"/>
+                <a16:creationId xmlns:a16="http://schemas.microsoft.com/office/drawing/2014/main" xmlns="" id="{C685825E-B038-4BD4-A3E3-E38D0FFAD9DC}"/>
               </a:ext>
             </a:extLst>
           </p:cNvPr>
@@ -12813,7 +12862,7 @@
           <p:cNvPr id="2" name="Title 1">
             <a:extLst>
               <a:ext uri="{FF2B5EF4-FFF2-40B4-BE49-F238E27FC236}">
-                <a16:creationId xmlns:a16="http://schemas.microsoft.com/office/drawing/2014/main" id="{56497CD8-76B5-48C0-837E-1AB17AAA4AD7}"/>
+                <a16:creationId xmlns:a16="http://schemas.microsoft.com/office/drawing/2014/main" xmlns="" id="{56497CD8-76B5-48C0-837E-1AB17AAA4AD7}"/>
               </a:ext>
             </a:extLst>
           </p:cNvPr>
@@ -12841,7 +12890,7 @@
           <p:cNvPr id="3" name="Content Placeholder 2">
             <a:extLst>
               <a:ext uri="{FF2B5EF4-FFF2-40B4-BE49-F238E27FC236}">
-                <a16:creationId xmlns:a16="http://schemas.microsoft.com/office/drawing/2014/main" id="{A0D26889-9DCA-4564-98C3-367227A28A9C}"/>
+                <a16:creationId xmlns:a16="http://schemas.microsoft.com/office/drawing/2014/main" xmlns="" id="{A0D26889-9DCA-4564-98C3-367227A28A9C}"/>
               </a:ext>
             </a:extLst>
           </p:cNvPr>
@@ -12922,7 +12971,7 @@
           <p:cNvPr id="4" name="Slide Number Placeholder 3">
             <a:extLst>
               <a:ext uri="{FF2B5EF4-FFF2-40B4-BE49-F238E27FC236}">
-                <a16:creationId xmlns:a16="http://schemas.microsoft.com/office/drawing/2014/main" id="{E51328A2-9EB9-4909-9025-2EE8FD3B626F}"/>
+                <a16:creationId xmlns:a16="http://schemas.microsoft.com/office/drawing/2014/main" xmlns="" id="{E51328A2-9EB9-4909-9025-2EE8FD3B626F}"/>
               </a:ext>
             </a:extLst>
           </p:cNvPr>
@@ -12990,7 +13039,7 @@
           <p:cNvPr id="2" name="Title 1">
             <a:extLst>
               <a:ext uri="{FF2B5EF4-FFF2-40B4-BE49-F238E27FC236}">
-                <a16:creationId xmlns:a16="http://schemas.microsoft.com/office/drawing/2014/main" id="{41C81684-56C2-46D2-8F7A-84CE98204017}"/>
+                <a16:creationId xmlns:a16="http://schemas.microsoft.com/office/drawing/2014/main" xmlns="" id="{41C81684-56C2-46D2-8F7A-84CE98204017}"/>
               </a:ext>
             </a:extLst>
           </p:cNvPr>
@@ -13018,7 +13067,7 @@
           <p:cNvPr id="3" name="Content Placeholder 2">
             <a:extLst>
               <a:ext uri="{FF2B5EF4-FFF2-40B4-BE49-F238E27FC236}">
-                <a16:creationId xmlns:a16="http://schemas.microsoft.com/office/drawing/2014/main" id="{A8A1ED16-8E1E-4D12-A7D5-E0D28A4A33DE}"/>
+                <a16:creationId xmlns:a16="http://schemas.microsoft.com/office/drawing/2014/main" xmlns="" id="{A8A1ED16-8E1E-4D12-A7D5-E0D28A4A33DE}"/>
               </a:ext>
             </a:extLst>
           </p:cNvPr>
@@ -13159,7 +13208,7 @@
           <p:cNvPr id="4" name="Slide Number Placeholder 3">
             <a:extLst>
               <a:ext uri="{FF2B5EF4-FFF2-40B4-BE49-F238E27FC236}">
-                <a16:creationId xmlns:a16="http://schemas.microsoft.com/office/drawing/2014/main" id="{EDCFC6F6-827B-4FE0-A273-0A74D26358BF}"/>
+                <a16:creationId xmlns:a16="http://schemas.microsoft.com/office/drawing/2014/main" xmlns="" id="{EDCFC6F6-827B-4FE0-A273-0A74D26358BF}"/>
               </a:ext>
             </a:extLst>
           </p:cNvPr>
@@ -13227,7 +13276,7 @@
           <p:cNvPr id="2" name="Title 1">
             <a:extLst>
               <a:ext uri="{FF2B5EF4-FFF2-40B4-BE49-F238E27FC236}">
-                <a16:creationId xmlns:a16="http://schemas.microsoft.com/office/drawing/2014/main" id="{8BFACF42-0164-40BB-8D61-3E86BC2D0401}"/>
+                <a16:creationId xmlns:a16="http://schemas.microsoft.com/office/drawing/2014/main" xmlns="" id="{8BFACF42-0164-40BB-8D61-3E86BC2D0401}"/>
               </a:ext>
             </a:extLst>
           </p:cNvPr>
@@ -13255,7 +13304,7 @@
           <p:cNvPr id="3" name="Content Placeholder 2">
             <a:extLst>
               <a:ext uri="{FF2B5EF4-FFF2-40B4-BE49-F238E27FC236}">
-                <a16:creationId xmlns:a16="http://schemas.microsoft.com/office/drawing/2014/main" id="{042D6AEC-FB46-49C9-B485-FB768D0A382B}"/>
+                <a16:creationId xmlns:a16="http://schemas.microsoft.com/office/drawing/2014/main" xmlns="" id="{042D6AEC-FB46-49C9-B485-FB768D0A382B}"/>
               </a:ext>
             </a:extLst>
           </p:cNvPr>
@@ -13330,12 +13379,12 @@
               <a:t>1 for Ethernet (</a:t>
             </a:r>
             <a:r>
-              <a:rPr lang="en-US" dirty="0" err="1"/>
-              <a:t>layeqr</a:t>
-            </a:r>
-            <a:r>
-              <a:rPr lang="en-US" dirty="0"/>
-              <a:t> two frame), 9 for PPP, 51 for </a:t>
+              <a:rPr lang="en-US" dirty="0" smtClean="0"/>
+              <a:t>layer </a:t>
+            </a:r>
+            <a:r>
+              <a:rPr lang="en-US" dirty="0"/>
+              <a:t>two frame), 9 for PPP, 51 for </a:t>
             </a:r>
             <a:r>
               <a:rPr lang="en-US" dirty="0" err="1"/>
@@ -13379,7 +13428,7 @@
           <p:cNvPr id="4" name="Slide Number Placeholder 3">
             <a:extLst>
               <a:ext uri="{FF2B5EF4-FFF2-40B4-BE49-F238E27FC236}">
-                <a16:creationId xmlns:a16="http://schemas.microsoft.com/office/drawing/2014/main" id="{545BB266-D422-4D2B-8463-E53CE044D120}"/>
+                <a16:creationId xmlns:a16="http://schemas.microsoft.com/office/drawing/2014/main" xmlns="" id="{545BB266-D422-4D2B-8463-E53CE044D120}"/>
               </a:ext>
             </a:extLst>
           </p:cNvPr>
@@ -13447,7 +13496,7 @@
           <p:cNvPr id="2" name="Title 1">
             <a:extLst>
               <a:ext uri="{FF2B5EF4-FFF2-40B4-BE49-F238E27FC236}">
-                <a16:creationId xmlns:a16="http://schemas.microsoft.com/office/drawing/2014/main" id="{8D5AB79B-AE33-42C6-BC9B-F6C87EDE7FBF}"/>
+                <a16:creationId xmlns:a16="http://schemas.microsoft.com/office/drawing/2014/main" xmlns="" id="{8D5AB79B-AE33-42C6-BC9B-F6C87EDE7FBF}"/>
               </a:ext>
             </a:extLst>
           </p:cNvPr>
@@ -13475,7 +13524,7 @@
           <p:cNvPr id="3" name="Content Placeholder 2">
             <a:extLst>
               <a:ext uri="{FF2B5EF4-FFF2-40B4-BE49-F238E27FC236}">
-                <a16:creationId xmlns:a16="http://schemas.microsoft.com/office/drawing/2014/main" id="{0E4F292E-D18B-4C34-AADB-F8615620A59A}"/>
+                <a16:creationId xmlns:a16="http://schemas.microsoft.com/office/drawing/2014/main" xmlns="" id="{0E4F292E-D18B-4C34-AADB-F8615620A59A}"/>
               </a:ext>
             </a:extLst>
           </p:cNvPr>
@@ -13547,7 +13596,7 @@
           <p:cNvPr id="4" name="Slide Number Placeholder 3">
             <a:extLst>
               <a:ext uri="{FF2B5EF4-FFF2-40B4-BE49-F238E27FC236}">
-                <a16:creationId xmlns:a16="http://schemas.microsoft.com/office/drawing/2014/main" id="{EE509C6B-60DD-47F4-A837-24E986D4E6A4}"/>
+                <a16:creationId xmlns:a16="http://schemas.microsoft.com/office/drawing/2014/main" xmlns="" id="{EE509C6B-60DD-47F4-A837-24E986D4E6A4}"/>
               </a:ext>
             </a:extLst>
           </p:cNvPr>
@@ -13578,9 +13627,6 @@
         </p:txBody>
       </p:sp>
     </p:spTree>
-    <p:custDataLst>
-      <p:tags r:id="rId1"/>
-    </p:custDataLst>
     <p:extLst>
       <p:ext uri="{BB962C8B-B14F-4D97-AF65-F5344CB8AC3E}">
         <p14:creationId xmlns:p14="http://schemas.microsoft.com/office/powerpoint/2010/main" val="417860215"/>
@@ -13602,8 +13648,8 @@
   <p:tag name="ARTICULATE_PROJECT_CHECK" val="0"/>
   <p:tag name="TAG_BACKING_FORM_KEY" val="16519558-k:\cnap\netsec course\lectures\module_1\lesson 1 networking overview.pptx"/>
   <p:tag name="ARTICULATE_PRESENTER_VERSION" val="8"/>
-  <p:tag name="ARTICULATE_SLIDE_COUNT" val="17"/>
   <p:tag name="ARTICULATE_PROJECT_OPEN" val="0"/>
+  <p:tag name="ARTICULATE_SLIDE_COUNT" val="16"/>
 </p:tagLst>
 </file>
 
@@ -13629,14 +13675,14 @@
 
 <file path=ppt/tags/tag13.xml><?xml version="1.0" encoding="utf-8"?>
 <p:tagLst xmlns:a="http://schemas.openxmlformats.org/drawingml/2006/main" xmlns:r="http://schemas.openxmlformats.org/officeDocument/2006/relationships" xmlns:p="http://schemas.openxmlformats.org/presentationml/2006/main">
+  <p:tag name="AUDIO_ID" val="303"/>
+  <p:tag name="ARTICULATE_USED_LAYOUT" val="2"/>
   <p:tag name="ARTICULATE_SLIDE_THUMBNAIL_REFRESH" val="1"/>
 </p:tagLst>
 </file>
 
 <file path=ppt/tags/tag14.xml><?xml version="1.0" encoding="utf-8"?>
 <p:tagLst xmlns:a="http://schemas.openxmlformats.org/drawingml/2006/main" xmlns:r="http://schemas.openxmlformats.org/officeDocument/2006/relationships" xmlns:p="http://schemas.openxmlformats.org/presentationml/2006/main">
-  <p:tag name="AUDIO_ID" val="303"/>
-  <p:tag name="ARTICULATE_USED_LAYOUT" val="2"/>
   <p:tag name="ARTICULATE_SLIDE_THUMBNAIL_REFRESH" val="1"/>
 </p:tagLst>
 </file>
@@ -13714,18 +13760,6 @@
 </file>
 
 <file path=ppt/tags/tag26.xml><?xml version="1.0" encoding="utf-8"?>
-<p:tagLst xmlns:a="http://schemas.openxmlformats.org/drawingml/2006/main" xmlns:r="http://schemas.openxmlformats.org/officeDocument/2006/relationships" xmlns:p="http://schemas.openxmlformats.org/presentationml/2006/main">
-  <p:tag name="ARTICULATE_SLIDE_THUMBNAIL_REFRESH" val="1"/>
-</p:tagLst>
-</file>
-
-<file path=ppt/tags/tag27.xml><?xml version="1.0" encoding="utf-8"?>
-<p:tagLst xmlns:a="http://schemas.openxmlformats.org/drawingml/2006/main" xmlns:r="http://schemas.openxmlformats.org/officeDocument/2006/relationships" xmlns:p="http://schemas.openxmlformats.org/presentationml/2006/main">
-  <p:tag name="ARTICULATE_SLIDE_THUMBNAIL_REFRESH" val="1"/>
-</p:tagLst>
-</file>
-
-<file path=ppt/tags/tag28.xml><?xml version="1.0" encoding="utf-8"?>
 <p:tagLst xmlns:a="http://schemas.openxmlformats.org/drawingml/2006/main" xmlns:r="http://schemas.openxmlformats.org/officeDocument/2006/relationships" xmlns:p="http://schemas.openxmlformats.org/presentationml/2006/main">
   <p:tag name="AUDIO_ID" val="333"/>
   <p:tag name="ARTICULATE_USED_LAYOUT" val="9"/>

--- a/Network-Security/Module_1 Internetworking/Lesson_3_PCAP.pptx
+++ b/Network-Security/Module_1 Internetworking/Lesson_3_PCAP.pptx
@@ -24,7 +24,7 @@
     <p:sldId id="420" r:id="rId15"/>
     <p:sldId id="423" r:id="rId16"/>
     <p:sldId id="422" r:id="rId17"/>
-    <p:sldId id="333" r:id="rId18"/>
+    <p:sldId id="426" r:id="rId18"/>
   </p:sldIdLst>
   <p:sldSz cx="9144000" cy="6858000" type="screen4x3"/>
   <p:notesSz cx="7315200" cy="9601200"/>
@@ -284,7 +284,7 @@
               <a:pPr>
                 <a:defRPr/>
               </a:pPr>
-              <a:t>4/20/18</a:t>
+              <a:t>4/24/18</a:t>
             </a:fld>
             <a:endParaRPr lang="en-US"/>
           </a:p>
@@ -1075,7 +1075,7 @@
     </p:spTree>
     <p:extLst>
       <p:ext uri="{BB962C8B-B14F-4D97-AF65-F5344CB8AC3E}">
-        <p14:creationId xmlns:p14="http://schemas.microsoft.com/office/powerpoint/2010/main" val="2433617412"/>
+        <p14:creationId xmlns:p14="http://schemas.microsoft.com/office/powerpoint/2010/main" val="1869374114"/>
       </p:ext>
     </p:extLst>
   </p:cSld>
@@ -3039,7 +3039,7 @@
           <p:cNvPr id="2" name="Title 1">
             <a:extLst>
               <a:ext uri="{FF2B5EF4-FFF2-40B4-BE49-F238E27FC236}">
-                <a16:creationId xmlns:a16="http://schemas.microsoft.com/office/drawing/2014/main" xmlns="" id="{5C287DE2-E1A2-4F41-96FE-94AF4425CB03}"/>
+                <a16:creationId xmlns="" xmlns:a16="http://schemas.microsoft.com/office/drawing/2014/main" id="{5C287DE2-E1A2-4F41-96FE-94AF4425CB03}"/>
               </a:ext>
             </a:extLst>
           </p:cNvPr>
@@ -3185,7 +3185,7 @@
           <p:cNvPr id="3" name="Slide Number Placeholder 2">
             <a:extLst>
               <a:ext uri="{FF2B5EF4-FFF2-40B4-BE49-F238E27FC236}">
-                <a16:creationId xmlns:a16="http://schemas.microsoft.com/office/drawing/2014/main" xmlns="" id="{7D2FFADE-E1BC-48C1-83AA-6DDDD39A33C4}"/>
+                <a16:creationId xmlns="" xmlns:a16="http://schemas.microsoft.com/office/drawing/2014/main" id="{7D2FFADE-E1BC-48C1-83AA-6DDDD39A33C4}"/>
               </a:ext>
             </a:extLst>
           </p:cNvPr>
@@ -3220,7 +3220,7 @@
           <p:cNvPr id="9" name="Picture 8">
             <a:extLst>
               <a:ext uri="{FF2B5EF4-FFF2-40B4-BE49-F238E27FC236}">
-                <a16:creationId xmlns:a16="http://schemas.microsoft.com/office/drawing/2014/main" xmlns="" id="{9CBFC76A-A606-42CF-BCDF-C73975C150B9}"/>
+                <a16:creationId xmlns="" xmlns:a16="http://schemas.microsoft.com/office/drawing/2014/main" id="{9CBFC76A-A606-42CF-BCDF-C73975C150B9}"/>
               </a:ext>
             </a:extLst>
           </p:cNvPr>
@@ -4273,7 +4273,7 @@
           <p:cNvPr id="2" name="Title 1">
             <a:extLst>
               <a:ext uri="{FF2B5EF4-FFF2-40B4-BE49-F238E27FC236}">
-                <a16:creationId xmlns:a16="http://schemas.microsoft.com/office/drawing/2014/main" xmlns="" id="{DAC8EDDC-5077-4887-8664-D2BB1F00EFD5}"/>
+                <a16:creationId xmlns="" xmlns:a16="http://schemas.microsoft.com/office/drawing/2014/main" id="{DAC8EDDC-5077-4887-8664-D2BB1F00EFD5}"/>
               </a:ext>
             </a:extLst>
           </p:cNvPr>
@@ -4301,7 +4301,7 @@
           <p:cNvPr id="3" name="Content Placeholder 2">
             <a:extLst>
               <a:ext uri="{FF2B5EF4-FFF2-40B4-BE49-F238E27FC236}">
-                <a16:creationId xmlns:a16="http://schemas.microsoft.com/office/drawing/2014/main" xmlns="" id="{1CFC6EDD-3266-449F-87A3-9248E63DA4D2}"/>
+                <a16:creationId xmlns="" xmlns:a16="http://schemas.microsoft.com/office/drawing/2014/main" id="{1CFC6EDD-3266-449F-87A3-9248E63DA4D2}"/>
               </a:ext>
             </a:extLst>
           </p:cNvPr>
@@ -4589,7 +4589,7 @@
           <p:cNvPr id="4" name="Slide Number Placeholder 3">
             <a:extLst>
               <a:ext uri="{FF2B5EF4-FFF2-40B4-BE49-F238E27FC236}">
-                <a16:creationId xmlns:a16="http://schemas.microsoft.com/office/drawing/2014/main" xmlns="" id="{C13F60FC-B11D-41AC-97CB-BBFDBC850D3E}"/>
+                <a16:creationId xmlns="" xmlns:a16="http://schemas.microsoft.com/office/drawing/2014/main" id="{C13F60FC-B11D-41AC-97CB-BBFDBC850D3E}"/>
               </a:ext>
             </a:extLst>
           </p:cNvPr>
@@ -4657,7 +4657,7 @@
           <p:cNvPr id="2" name="Title 1">
             <a:extLst>
               <a:ext uri="{FF2B5EF4-FFF2-40B4-BE49-F238E27FC236}">
-                <a16:creationId xmlns:a16="http://schemas.microsoft.com/office/drawing/2014/main" xmlns="" id="{2AAB08F0-0D6B-4DDA-961E-69FA16F1461D}"/>
+                <a16:creationId xmlns="" xmlns:a16="http://schemas.microsoft.com/office/drawing/2014/main" id="{2AAB08F0-0D6B-4DDA-961E-69FA16F1461D}"/>
               </a:ext>
             </a:extLst>
           </p:cNvPr>
@@ -4685,7 +4685,7 @@
           <p:cNvPr id="3" name="Content Placeholder 2">
             <a:extLst>
               <a:ext uri="{FF2B5EF4-FFF2-40B4-BE49-F238E27FC236}">
-                <a16:creationId xmlns:a16="http://schemas.microsoft.com/office/drawing/2014/main" xmlns="" id="{5C840505-92A5-4067-8A08-4058FCFE3D82}"/>
+                <a16:creationId xmlns="" xmlns:a16="http://schemas.microsoft.com/office/drawing/2014/main" id="{5C840505-92A5-4067-8A08-4058FCFE3D82}"/>
               </a:ext>
             </a:extLst>
           </p:cNvPr>
@@ -4840,7 +4840,7 @@
           <p:cNvPr id="4" name="Slide Number Placeholder 3">
             <a:extLst>
               <a:ext uri="{FF2B5EF4-FFF2-40B4-BE49-F238E27FC236}">
-                <a16:creationId xmlns:a16="http://schemas.microsoft.com/office/drawing/2014/main" xmlns="" id="{6E50A4E4-D242-4214-9716-2049BF8BE5BF}"/>
+                <a16:creationId xmlns="" xmlns:a16="http://schemas.microsoft.com/office/drawing/2014/main" id="{6E50A4E4-D242-4214-9716-2049BF8BE5BF}"/>
               </a:ext>
             </a:extLst>
           </p:cNvPr>
@@ -4877,7 +4877,7 @@
               <p:cNvPr id="6" name="Slide Zoom 5">
                 <a:extLst>
                   <a:ext uri="{FF2B5EF4-FFF2-40B4-BE49-F238E27FC236}">
-                    <a16:creationId xmlns:a16="http://schemas.microsoft.com/office/drawing/2014/main" xmlns="" id="{E7C5CD42-8512-4AAA-A3A0-1D2D8035F859}"/>
+                    <a16:creationId xmlns="" xmlns:a16="http://schemas.microsoft.com/office/drawing/2014/main" id="{E7C5CD42-8512-4AAA-A3A0-1D2D8035F859}"/>
                   </a:ext>
                 </a:extLst>
               </p:cNvPr>
@@ -5005,7 +5005,7 @@
           <p:cNvPr id="2" name="Title 1">
             <a:extLst>
               <a:ext uri="{FF2B5EF4-FFF2-40B4-BE49-F238E27FC236}">
-                <a16:creationId xmlns:a16="http://schemas.microsoft.com/office/drawing/2014/main" xmlns="" id="{D0124319-D849-432A-A689-B0653DE5B24A}"/>
+                <a16:creationId xmlns="" xmlns:a16="http://schemas.microsoft.com/office/drawing/2014/main" id="{D0124319-D849-432A-A689-B0653DE5B24A}"/>
               </a:ext>
             </a:extLst>
           </p:cNvPr>
@@ -5033,7 +5033,7 @@
           <p:cNvPr id="3" name="Content Placeholder 2">
             <a:extLst>
               <a:ext uri="{FF2B5EF4-FFF2-40B4-BE49-F238E27FC236}">
-                <a16:creationId xmlns:a16="http://schemas.microsoft.com/office/drawing/2014/main" xmlns="" id="{70EF4953-1D41-47A1-B7EE-F0901878753C}"/>
+                <a16:creationId xmlns="" xmlns:a16="http://schemas.microsoft.com/office/drawing/2014/main" id="{70EF4953-1D41-47A1-B7EE-F0901878753C}"/>
               </a:ext>
             </a:extLst>
           </p:cNvPr>
@@ -5146,7 +5146,7 @@
           <p:cNvPr id="4" name="Slide Number Placeholder 3">
             <a:extLst>
               <a:ext uri="{FF2B5EF4-FFF2-40B4-BE49-F238E27FC236}">
-                <a16:creationId xmlns:a16="http://schemas.microsoft.com/office/drawing/2014/main" xmlns="" id="{DB256C13-E84E-4889-B565-EEE9E1DF0D72}"/>
+                <a16:creationId xmlns="" xmlns:a16="http://schemas.microsoft.com/office/drawing/2014/main" id="{DB256C13-E84E-4889-B565-EEE9E1DF0D72}"/>
               </a:ext>
             </a:extLst>
           </p:cNvPr>
@@ -5214,7 +5214,7 @@
           <p:cNvPr id="2" name="Title 1">
             <a:extLst>
               <a:ext uri="{FF2B5EF4-FFF2-40B4-BE49-F238E27FC236}">
-                <a16:creationId xmlns:a16="http://schemas.microsoft.com/office/drawing/2014/main" xmlns="" id="{CDB86AE4-3534-45D0-ACD6-2671080953B8}"/>
+                <a16:creationId xmlns="" xmlns:a16="http://schemas.microsoft.com/office/drawing/2014/main" id="{CDB86AE4-3534-45D0-ACD6-2671080953B8}"/>
               </a:ext>
             </a:extLst>
           </p:cNvPr>
@@ -5242,7 +5242,7 @@
           <p:cNvPr id="3" name="Content Placeholder 2">
             <a:extLst>
               <a:ext uri="{FF2B5EF4-FFF2-40B4-BE49-F238E27FC236}">
-                <a16:creationId xmlns:a16="http://schemas.microsoft.com/office/drawing/2014/main" xmlns="" id="{6AA1A647-810B-4E7B-924E-1FDE8EB094F6}"/>
+                <a16:creationId xmlns="" xmlns:a16="http://schemas.microsoft.com/office/drawing/2014/main" id="{6AA1A647-810B-4E7B-924E-1FDE8EB094F6}"/>
               </a:ext>
             </a:extLst>
           </p:cNvPr>
@@ -5296,7 +5296,7 @@
           <p:cNvPr id="4" name="Slide Number Placeholder 3">
             <a:extLst>
               <a:ext uri="{FF2B5EF4-FFF2-40B4-BE49-F238E27FC236}">
-                <a16:creationId xmlns:a16="http://schemas.microsoft.com/office/drawing/2014/main" xmlns="" id="{998B1E70-C35F-4F0E-8020-AF2B2CC5E564}"/>
+                <a16:creationId xmlns="" xmlns:a16="http://schemas.microsoft.com/office/drawing/2014/main" id="{998B1E70-C35F-4F0E-8020-AF2B2CC5E564}"/>
               </a:ext>
             </a:extLst>
           </p:cNvPr>
@@ -5364,7 +5364,7 @@
           <p:cNvPr id="2" name="Title 1">
             <a:extLst>
               <a:ext uri="{FF2B5EF4-FFF2-40B4-BE49-F238E27FC236}">
-                <a16:creationId xmlns:a16="http://schemas.microsoft.com/office/drawing/2014/main" xmlns="" id="{8EB18F0D-2B3A-4208-AFC6-A9D4EE921740}"/>
+                <a16:creationId xmlns="" xmlns:a16="http://schemas.microsoft.com/office/drawing/2014/main" id="{8EB18F0D-2B3A-4208-AFC6-A9D4EE921740}"/>
               </a:ext>
             </a:extLst>
           </p:cNvPr>
@@ -5392,7 +5392,7 @@
           <p:cNvPr id="5" name="Content Placeholder 4">
             <a:extLst>
               <a:ext uri="{FF2B5EF4-FFF2-40B4-BE49-F238E27FC236}">
-                <a16:creationId xmlns:a16="http://schemas.microsoft.com/office/drawing/2014/main" xmlns="" id="{47EBD377-2761-45E3-A0E2-4F695D27D46B}"/>
+                <a16:creationId xmlns="" xmlns:a16="http://schemas.microsoft.com/office/drawing/2014/main" id="{47EBD377-2761-45E3-A0E2-4F695D27D46B}"/>
               </a:ext>
             </a:extLst>
           </p:cNvPr>
@@ -5422,35 +5422,35 @@
                 <a:gridCol w="1577340">
                   <a:extLst>
                     <a:ext uri="{9D8B030D-6E8A-4147-A177-3AD203B41FA5}">
-                      <a16:colId xmlns:a16="http://schemas.microsoft.com/office/drawing/2014/main" xmlns="" val="2175999524"/>
+                      <a16:colId xmlns="" xmlns:a16="http://schemas.microsoft.com/office/drawing/2014/main" val="2175999524"/>
                     </a:ext>
                   </a:extLst>
                 </a:gridCol>
                 <a:gridCol w="1577340">
                   <a:extLst>
                     <a:ext uri="{9D8B030D-6E8A-4147-A177-3AD203B41FA5}">
-                      <a16:colId xmlns:a16="http://schemas.microsoft.com/office/drawing/2014/main" xmlns="" val="874828434"/>
+                      <a16:colId xmlns="" xmlns:a16="http://schemas.microsoft.com/office/drawing/2014/main" val="874828434"/>
                     </a:ext>
                   </a:extLst>
                 </a:gridCol>
                 <a:gridCol w="1577340">
                   <a:extLst>
                     <a:ext uri="{9D8B030D-6E8A-4147-A177-3AD203B41FA5}">
-                      <a16:colId xmlns:a16="http://schemas.microsoft.com/office/drawing/2014/main" xmlns="" val="1465961062"/>
+                      <a16:colId xmlns="" xmlns:a16="http://schemas.microsoft.com/office/drawing/2014/main" val="1465961062"/>
                     </a:ext>
                   </a:extLst>
                 </a:gridCol>
                 <a:gridCol w="1577340">
                   <a:extLst>
                     <a:ext uri="{9D8B030D-6E8A-4147-A177-3AD203B41FA5}">
-                      <a16:colId xmlns:a16="http://schemas.microsoft.com/office/drawing/2014/main" xmlns="" val="3559312927"/>
+                      <a16:colId xmlns="" xmlns:a16="http://schemas.microsoft.com/office/drawing/2014/main" val="3559312927"/>
                     </a:ext>
                   </a:extLst>
                 </a:gridCol>
                 <a:gridCol w="1577340">
                   <a:extLst>
                     <a:ext uri="{9D8B030D-6E8A-4147-A177-3AD203B41FA5}">
-                      <a16:colId xmlns:a16="http://schemas.microsoft.com/office/drawing/2014/main" xmlns="" val="2948913033"/>
+                      <a16:colId xmlns="" xmlns:a16="http://schemas.microsoft.com/office/drawing/2014/main" val="2948913033"/>
                     </a:ext>
                   </a:extLst>
                 </a:gridCol>
@@ -5523,7 +5523,7 @@
                 </a:tc>
                 <a:extLst>
                   <a:ext uri="{0D108BD9-81ED-4DB2-BD59-A6C34878D82A}">
-                    <a16:rowId xmlns:a16="http://schemas.microsoft.com/office/drawing/2014/main" xmlns="" val="2393481616"/>
+                    <a16:rowId xmlns="" xmlns:a16="http://schemas.microsoft.com/office/drawing/2014/main" val="2393481616"/>
                   </a:ext>
                 </a:extLst>
               </a:tr>
@@ -5536,7 +5536,7 @@
           <p:cNvPr id="4" name="Slide Number Placeholder 3">
             <a:extLst>
               <a:ext uri="{FF2B5EF4-FFF2-40B4-BE49-F238E27FC236}">
-                <a16:creationId xmlns:a16="http://schemas.microsoft.com/office/drawing/2014/main" xmlns="" id="{3D61B987-BD4A-46D0-84BA-7E207B1751D9}"/>
+                <a16:creationId xmlns="" xmlns:a16="http://schemas.microsoft.com/office/drawing/2014/main" id="{3D61B987-BD4A-46D0-84BA-7E207B1751D9}"/>
               </a:ext>
             </a:extLst>
           </p:cNvPr>
@@ -7452,7 +7452,7 @@
           <p:cNvPr id="34" name="Rectangle 7">
             <a:extLst>
               <a:ext uri="{FF2B5EF4-FFF2-40B4-BE49-F238E27FC236}">
-                <a16:creationId xmlns:a16="http://schemas.microsoft.com/office/drawing/2014/main" xmlns="" id="{3D246FED-DD2D-460C-94BB-0BC9D3B82076}"/>
+                <a16:creationId xmlns="" xmlns:a16="http://schemas.microsoft.com/office/drawing/2014/main" id="{3D246FED-DD2D-460C-94BB-0BC9D3B82076}"/>
               </a:ext>
             </a:extLst>
           </p:cNvPr>
@@ -7603,7 +7603,7 @@
           <p:cNvPr id="36" name="Rectangle 8">
             <a:extLst>
               <a:ext uri="{FF2B5EF4-FFF2-40B4-BE49-F238E27FC236}">
-                <a16:creationId xmlns:a16="http://schemas.microsoft.com/office/drawing/2014/main" xmlns="" id="{C4A99E45-ED0B-499B-8E23-6A4094725866}"/>
+                <a16:creationId xmlns="" xmlns:a16="http://schemas.microsoft.com/office/drawing/2014/main" id="{C4A99E45-ED0B-499B-8E23-6A4094725866}"/>
               </a:ext>
             </a:extLst>
           </p:cNvPr>
@@ -7759,7 +7759,7 @@
           <p:cNvPr id="38" name="Rectangle 7">
             <a:extLst>
               <a:ext uri="{FF2B5EF4-FFF2-40B4-BE49-F238E27FC236}">
-                <a16:creationId xmlns:a16="http://schemas.microsoft.com/office/drawing/2014/main" xmlns="" id="{4FCF02AE-4737-4845-B70A-6548DC5F39D4}"/>
+                <a16:creationId xmlns="" xmlns:a16="http://schemas.microsoft.com/office/drawing/2014/main" id="{4FCF02AE-4737-4845-B70A-6548DC5F39D4}"/>
               </a:ext>
             </a:extLst>
           </p:cNvPr>
@@ -7910,7 +7910,7 @@
           <p:cNvPr id="39" name="Rectangle 8">
             <a:extLst>
               <a:ext uri="{FF2B5EF4-FFF2-40B4-BE49-F238E27FC236}">
-                <a16:creationId xmlns:a16="http://schemas.microsoft.com/office/drawing/2014/main" xmlns="" id="{7F286036-03D6-403F-B11B-A5457648E391}"/>
+                <a16:creationId xmlns="" xmlns:a16="http://schemas.microsoft.com/office/drawing/2014/main" id="{7F286036-03D6-403F-B11B-A5457648E391}"/>
               </a:ext>
             </a:extLst>
           </p:cNvPr>
@@ -8066,7 +8066,7 @@
           <p:cNvPr id="40" name="Rectangle 22">
             <a:extLst>
               <a:ext uri="{FF2B5EF4-FFF2-40B4-BE49-F238E27FC236}">
-                <a16:creationId xmlns:a16="http://schemas.microsoft.com/office/drawing/2014/main" xmlns="" id="{06A40956-FAA2-4B52-A5E8-23A139D553E6}"/>
+                <a16:creationId xmlns="" xmlns:a16="http://schemas.microsoft.com/office/drawing/2014/main" id="{06A40956-FAA2-4B52-A5E8-23A139D553E6}"/>
               </a:ext>
             </a:extLst>
           </p:cNvPr>
@@ -8218,7 +8218,7 @@
           <p:cNvPr id="41" name="Rectangle 9">
             <a:extLst>
               <a:ext uri="{FF2B5EF4-FFF2-40B4-BE49-F238E27FC236}">
-                <a16:creationId xmlns:a16="http://schemas.microsoft.com/office/drawing/2014/main" xmlns="" id="{285925DD-4E9E-45D4-9AAE-9A5DE5DEB484}"/>
+                <a16:creationId xmlns="" xmlns:a16="http://schemas.microsoft.com/office/drawing/2014/main" id="{285925DD-4E9E-45D4-9AAE-9A5DE5DEB484}"/>
               </a:ext>
             </a:extLst>
           </p:cNvPr>
@@ -8374,7 +8374,7 @@
           <p:cNvPr id="42" name="Rectangle 9">
             <a:extLst>
               <a:ext uri="{FF2B5EF4-FFF2-40B4-BE49-F238E27FC236}">
-                <a16:creationId xmlns:a16="http://schemas.microsoft.com/office/drawing/2014/main" xmlns="" id="{715B9B01-7546-4864-BC9C-4A1B5AE72374}"/>
+                <a16:creationId xmlns="" xmlns:a16="http://schemas.microsoft.com/office/drawing/2014/main" id="{715B9B01-7546-4864-BC9C-4A1B5AE72374}"/>
               </a:ext>
             </a:extLst>
           </p:cNvPr>
@@ -8530,7 +8530,7 @@
           <p:cNvPr id="44" name="Line 28">
             <a:extLst>
               <a:ext uri="{FF2B5EF4-FFF2-40B4-BE49-F238E27FC236}">
-                <a16:creationId xmlns:a16="http://schemas.microsoft.com/office/drawing/2014/main" xmlns="" id="{3BBC961D-1227-4928-B146-9101F20C79E5}"/>
+                <a16:creationId xmlns="" xmlns:a16="http://schemas.microsoft.com/office/drawing/2014/main" id="{3BBC961D-1227-4928-B146-9101F20C79E5}"/>
               </a:ext>
             </a:extLst>
           </p:cNvPr>
@@ -8577,7 +8577,7 @@
           <p:cNvPr id="45" name="Line 29">
             <a:extLst>
               <a:ext uri="{FF2B5EF4-FFF2-40B4-BE49-F238E27FC236}">
-                <a16:creationId xmlns:a16="http://schemas.microsoft.com/office/drawing/2014/main" xmlns="" id="{3842FCDF-BD13-4090-AE1A-7C767435492D}"/>
+                <a16:creationId xmlns="" xmlns:a16="http://schemas.microsoft.com/office/drawing/2014/main" id="{3842FCDF-BD13-4090-AE1A-7C767435492D}"/>
               </a:ext>
             </a:extLst>
           </p:cNvPr>
@@ -8624,7 +8624,7 @@
           <p:cNvPr id="46" name="Line 30">
             <a:extLst>
               <a:ext uri="{FF2B5EF4-FFF2-40B4-BE49-F238E27FC236}">
-                <a16:creationId xmlns:a16="http://schemas.microsoft.com/office/drawing/2014/main" xmlns="" id="{0F02660A-2EFA-411A-98A2-C104CB970F77}"/>
+                <a16:creationId xmlns="" xmlns:a16="http://schemas.microsoft.com/office/drawing/2014/main" id="{0F02660A-2EFA-411A-98A2-C104CB970F77}"/>
               </a:ext>
             </a:extLst>
           </p:cNvPr>
@@ -8671,7 +8671,7 @@
           <p:cNvPr id="48" name="Rectangle 32">
             <a:extLst>
               <a:ext uri="{FF2B5EF4-FFF2-40B4-BE49-F238E27FC236}">
-                <a16:creationId xmlns:a16="http://schemas.microsoft.com/office/drawing/2014/main" xmlns="" id="{930FBDC4-77E6-4CF2-8443-69D2150FB791}"/>
+                <a16:creationId xmlns="" xmlns:a16="http://schemas.microsoft.com/office/drawing/2014/main" id="{930FBDC4-77E6-4CF2-8443-69D2150FB791}"/>
               </a:ext>
             </a:extLst>
           </p:cNvPr>
@@ -8828,7 +8828,7 @@
           <p:cNvPr id="49" name="Line 30">
             <a:extLst>
               <a:ext uri="{FF2B5EF4-FFF2-40B4-BE49-F238E27FC236}">
-                <a16:creationId xmlns:a16="http://schemas.microsoft.com/office/drawing/2014/main" xmlns="" id="{9E069A4E-0FB3-4547-AA05-8043F7F85395}"/>
+                <a16:creationId xmlns="" xmlns:a16="http://schemas.microsoft.com/office/drawing/2014/main" id="{9E069A4E-0FB3-4547-AA05-8043F7F85395}"/>
               </a:ext>
             </a:extLst>
           </p:cNvPr>
@@ -11720,35 +11720,10 @@
       </p:grpSpPr>
       <p:sp>
         <p:nvSpPr>
-          <p:cNvPr id="11" name="Title 10">
-            <a:extLst>
-              <a:ext uri="{FF2B5EF4-FFF2-40B4-BE49-F238E27FC236}">
-                <a16:creationId xmlns:a16="http://schemas.microsoft.com/office/drawing/2014/main" xmlns="" id="{1F52A716-5142-4987-84C0-078D1007C406}"/>
-              </a:ext>
-            </a:extLst>
-          </p:cNvPr>
-          <p:cNvSpPr>
-            <a:spLocks noGrp="1"/>
-          </p:cNvSpPr>
-          <p:nvPr>
-            <p:ph type="title"/>
-          </p:nvPr>
-        </p:nvSpPr>
-        <p:spPr/>
-        <p:txBody>
-          <a:bodyPr/>
-          <a:lstStyle/>
-          <a:p>
-            <a:endParaRPr lang="en-US" dirty="0"/>
-          </a:p>
-        </p:txBody>
-      </p:sp>
-      <p:sp>
-        <p:nvSpPr>
           <p:cNvPr id="7" name="Slide Number Placeholder 6">
             <a:extLst>
               <a:ext uri="{FF2B5EF4-FFF2-40B4-BE49-F238E27FC236}">
-                <a16:creationId xmlns:a16="http://schemas.microsoft.com/office/drawing/2014/main" xmlns="" id="{27B55DC7-B95B-4807-B808-1E7A81E0F45A}"/>
+                <a16:creationId xmlns="" xmlns:a16="http://schemas.microsoft.com/office/drawing/2014/main" id="{27B55DC7-B95B-4807-B808-1E7A81E0F45A}"/>
               </a:ext>
             </a:extLst>
           </p:cNvPr>
@@ -11773,13 +11748,333 @@
           </a:p>
         </p:txBody>
       </p:sp>
+      <p:sp>
+        <p:nvSpPr>
+          <p:cNvPr id="19" name="Text Placeholder 7">
+            <a:extLst>
+              <a:ext uri="{FF2B5EF4-FFF2-40B4-BE49-F238E27FC236}">
+                <a16:creationId xmlns="" xmlns:a16="http://schemas.microsoft.com/office/drawing/2014/main" id="{2785A2B3-FCF4-4D59-9841-12917D91B27A}"/>
+              </a:ext>
+            </a:extLst>
+          </p:cNvPr>
+          <p:cNvSpPr txBox="1">
+            <a:spLocks/>
+          </p:cNvSpPr>
+          <p:nvPr/>
+        </p:nvSpPr>
+        <p:spPr>
+          <a:xfrm>
+            <a:off x="725683" y="871606"/>
+            <a:ext cx="7893050" cy="5114787"/>
+          </a:xfrm>
+          <a:prstGeom prst="rect">
+            <a:avLst/>
+          </a:prstGeom>
+        </p:spPr>
+        <p:txBody>
+          <a:bodyPr/>
+          <a:lstStyle>
+            <a:lvl1pPr marL="0" indent="0" algn="ctr" defTabSz="685800" rtl="0" eaLnBrk="0" fontAlgn="base" hangingPunct="0">
+              <a:lnSpc>
+                <a:spcPct val="90000"/>
+              </a:lnSpc>
+              <a:spcBef>
+                <a:spcPts val="750"/>
+              </a:spcBef>
+              <a:spcAft>
+                <a:spcPct val="0"/>
+              </a:spcAft>
+              <a:buFont typeface="Arial" charset="0"/>
+              <a:buNone/>
+              <a:defRPr sz="1800" kern="1200">
+                <a:solidFill>
+                  <a:schemeClr val="tx1"/>
+                </a:solidFill>
+                <a:latin typeface="+mn-lt"/>
+                <a:ea typeface="+mn-ea"/>
+                <a:cs typeface="+mn-cs"/>
+              </a:defRPr>
+            </a:lvl1pPr>
+            <a:lvl2pPr marL="514350" indent="-171450" algn="l" defTabSz="685800" rtl="0" eaLnBrk="0" fontAlgn="base" hangingPunct="0">
+              <a:lnSpc>
+                <a:spcPct val="90000"/>
+              </a:lnSpc>
+              <a:spcBef>
+                <a:spcPts val="375"/>
+              </a:spcBef>
+              <a:spcAft>
+                <a:spcPct val="0"/>
+              </a:spcAft>
+              <a:buFont typeface="Arial" charset="0"/>
+              <a:buChar char="•"/>
+              <a:defRPr sz="2400" kern="1200">
+                <a:solidFill>
+                  <a:schemeClr val="tx1"/>
+                </a:solidFill>
+                <a:latin typeface="+mn-lt"/>
+                <a:ea typeface="+mn-ea"/>
+                <a:cs typeface="+mn-cs"/>
+              </a:defRPr>
+            </a:lvl2pPr>
+            <a:lvl3pPr marL="857250" indent="-171450" algn="l" defTabSz="685800" rtl="0" eaLnBrk="0" fontAlgn="base" hangingPunct="0">
+              <a:lnSpc>
+                <a:spcPct val="90000"/>
+              </a:lnSpc>
+              <a:spcBef>
+                <a:spcPts val="375"/>
+              </a:spcBef>
+              <a:spcAft>
+                <a:spcPct val="0"/>
+              </a:spcAft>
+              <a:buFont typeface="Arial" charset="0"/>
+              <a:buChar char="•"/>
+              <a:defRPr sz="1800" kern="1200">
+                <a:solidFill>
+                  <a:schemeClr val="tx1"/>
+                </a:solidFill>
+                <a:latin typeface="+mn-lt"/>
+                <a:ea typeface="+mn-ea"/>
+                <a:cs typeface="+mn-cs"/>
+              </a:defRPr>
+            </a:lvl3pPr>
+            <a:lvl4pPr marL="1200150" indent="-171450" algn="l" defTabSz="685800" rtl="0" eaLnBrk="0" fontAlgn="base" hangingPunct="0">
+              <a:lnSpc>
+                <a:spcPct val="90000"/>
+              </a:lnSpc>
+              <a:spcBef>
+                <a:spcPts val="375"/>
+              </a:spcBef>
+              <a:spcAft>
+                <a:spcPct val="0"/>
+              </a:spcAft>
+              <a:buFont typeface="Arial" charset="0"/>
+              <a:buChar char="•"/>
+              <a:defRPr sz="1600" kern="1200">
+                <a:solidFill>
+                  <a:schemeClr val="tx1"/>
+                </a:solidFill>
+                <a:latin typeface="+mn-lt"/>
+                <a:ea typeface="+mn-ea"/>
+                <a:cs typeface="+mn-cs"/>
+              </a:defRPr>
+            </a:lvl4pPr>
+            <a:lvl5pPr marL="1543050" indent="-171450" algn="l" defTabSz="685800" rtl="0" eaLnBrk="0" fontAlgn="base" hangingPunct="0">
+              <a:lnSpc>
+                <a:spcPct val="90000"/>
+              </a:lnSpc>
+              <a:spcBef>
+                <a:spcPts val="375"/>
+              </a:spcBef>
+              <a:spcAft>
+                <a:spcPct val="0"/>
+              </a:spcAft>
+              <a:buFont typeface="Arial" charset="0"/>
+              <a:buChar char="•"/>
+              <a:defRPr sz="1600" kern="1200">
+                <a:solidFill>
+                  <a:schemeClr val="tx1"/>
+                </a:solidFill>
+                <a:latin typeface="+mn-lt"/>
+                <a:ea typeface="+mn-ea"/>
+                <a:cs typeface="+mn-cs"/>
+              </a:defRPr>
+            </a:lvl5pPr>
+            <a:lvl6pPr marL="1885950" indent="-171450" algn="l" defTabSz="685800" rtl="0" eaLnBrk="1" latinLnBrk="0" hangingPunct="1">
+              <a:lnSpc>
+                <a:spcPct val="90000"/>
+              </a:lnSpc>
+              <a:spcBef>
+                <a:spcPts val="375"/>
+              </a:spcBef>
+              <a:buFont typeface="Arial" panose="020B0604020202020204" pitchFamily="34" charset="0"/>
+              <a:buChar char="•"/>
+              <a:defRPr sz="1350" kern="1200">
+                <a:solidFill>
+                  <a:schemeClr val="tx1"/>
+                </a:solidFill>
+                <a:latin typeface="+mn-lt"/>
+                <a:ea typeface="+mn-ea"/>
+                <a:cs typeface="+mn-cs"/>
+              </a:defRPr>
+            </a:lvl6pPr>
+            <a:lvl7pPr marL="2228850" indent="-171450" algn="l" defTabSz="685800" rtl="0" eaLnBrk="1" latinLnBrk="0" hangingPunct="1">
+              <a:lnSpc>
+                <a:spcPct val="90000"/>
+              </a:lnSpc>
+              <a:spcBef>
+                <a:spcPts val="375"/>
+              </a:spcBef>
+              <a:buFont typeface="Arial" panose="020B0604020202020204" pitchFamily="34" charset="0"/>
+              <a:buChar char="•"/>
+              <a:defRPr sz="1350" kern="1200">
+                <a:solidFill>
+                  <a:schemeClr val="tx1"/>
+                </a:solidFill>
+                <a:latin typeface="+mn-lt"/>
+                <a:ea typeface="+mn-ea"/>
+                <a:cs typeface="+mn-cs"/>
+              </a:defRPr>
+            </a:lvl7pPr>
+            <a:lvl8pPr marL="2571750" indent="-171450" algn="l" defTabSz="685800" rtl="0" eaLnBrk="1" latinLnBrk="0" hangingPunct="1">
+              <a:lnSpc>
+                <a:spcPct val="90000"/>
+              </a:lnSpc>
+              <a:spcBef>
+                <a:spcPts val="375"/>
+              </a:spcBef>
+              <a:buFont typeface="Arial" panose="020B0604020202020204" pitchFamily="34" charset="0"/>
+              <a:buChar char="•"/>
+              <a:defRPr sz="1350" kern="1200">
+                <a:solidFill>
+                  <a:schemeClr val="tx1"/>
+                </a:solidFill>
+                <a:latin typeface="+mn-lt"/>
+                <a:ea typeface="+mn-ea"/>
+                <a:cs typeface="+mn-cs"/>
+              </a:defRPr>
+            </a:lvl8pPr>
+            <a:lvl9pPr marL="2914650" indent="-171450" algn="l" defTabSz="685800" rtl="0" eaLnBrk="1" latinLnBrk="0" hangingPunct="1">
+              <a:lnSpc>
+                <a:spcPct val="90000"/>
+              </a:lnSpc>
+              <a:spcBef>
+                <a:spcPts val="375"/>
+              </a:spcBef>
+              <a:buFont typeface="Arial" panose="020B0604020202020204" pitchFamily="34" charset="0"/>
+              <a:buChar char="•"/>
+              <a:defRPr sz="1350" kern="1200">
+                <a:solidFill>
+                  <a:schemeClr val="tx1"/>
+                </a:solidFill>
+                <a:latin typeface="+mn-lt"/>
+                <a:ea typeface="+mn-ea"/>
+                <a:cs typeface="+mn-cs"/>
+              </a:defRPr>
+            </a:lvl9pPr>
+          </a:lstStyle>
+          <a:p>
+            <a:r>
+              <a:rPr lang="en-US" dirty="0"/>
+              <a:t>Please attribute Dr. Jim Alves-Foss and Dr. Jia Song, University of Idaho</a:t>
+            </a:r>
+            <a:br>
+              <a:rPr lang="en-US" dirty="0"/>
+            </a:br>
+            <a:r>
+              <a:rPr lang="en-US" dirty="0"/>
+              <a:t/>
+            </a:r>
+            <a:br>
+              <a:rPr lang="en-US" dirty="0"/>
+            </a:br>
+            <a:r>
+              <a:rPr lang="en-US" dirty="0"/>
+              <a:t/>
+            </a:r>
+            <a:br>
+              <a:rPr lang="en-US" dirty="0"/>
+            </a:br>
+            <a:r>
+              <a:rPr lang="en-US" dirty="0"/>
+              <a:t/>
+            </a:r>
+            <a:br>
+              <a:rPr lang="en-US" dirty="0"/>
+            </a:br>
+            <a:r>
+              <a:rPr lang="en-US" dirty="0"/>
+              <a:t/>
+            </a:r>
+            <a:br>
+              <a:rPr lang="en-US" dirty="0"/>
+            </a:br>
+            <a:r>
+              <a:rPr lang="en-US" dirty="0"/>
+              <a:t/>
+            </a:r>
+            <a:br>
+              <a:rPr lang="en-US" dirty="0"/>
+            </a:br>
+            <a:r>
+              <a:rPr lang="en-US" dirty="0"/>
+              <a:t/>
+            </a:r>
+            <a:br>
+              <a:rPr lang="en-US" dirty="0"/>
+            </a:br>
+            <a:r>
+              <a:rPr lang="en-US" dirty="0"/>
+              <a:t/>
+            </a:r>
+            <a:br>
+              <a:rPr lang="en-US" dirty="0"/>
+            </a:br>
+            <a:endParaRPr lang="en-US" dirty="0"/>
+          </a:p>
+          <a:p>
+            <a:r>
+              <a:rPr lang="en-US" sz="1600" dirty="0"/>
+              <a:t>Except where otherwise noted, this work is licensed under https://creativecommons.org/licenses/by-nc-sa/4.0/</a:t>
+            </a:r>
+            <a:br>
+              <a:rPr lang="en-US" sz="1600" dirty="0"/>
+            </a:br>
+            <a:r>
+              <a:rPr lang="en-US" sz="1600" dirty="0"/>
+              <a:t/>
+            </a:r>
+            <a:br>
+              <a:rPr lang="en-US" sz="1600" dirty="0"/>
+            </a:br>
+            <a:r>
+              <a:rPr lang="en-US" sz="1600" dirty="0"/>
+              <a:t>Not withstanding the non-commercial license terms, non-profit educational institutions are granted a non-exclusive license to adapt and use this material, with attribution.</a:t>
+            </a:r>
+            <a:br>
+              <a:rPr lang="en-US" sz="1600" dirty="0"/>
+            </a:br>
+            <a:r>
+              <a:rPr lang="en-US" sz="1600" dirty="0"/>
+              <a:t/>
+            </a:r>
+            <a:br>
+              <a:rPr lang="en-US" sz="1600" dirty="0"/>
+            </a:br>
+            <a:r>
+              <a:rPr lang="en-US" sz="1600" dirty="0"/>
+              <a:t>Creative Commons and the double C in a circle are registered trademarks of Creative commons in the United States and other countries. Third party marks and brands are the property of their respective holders</a:t>
+            </a:r>
+            <a:r>
+              <a:rPr lang="en-US" sz="1600" dirty="0" smtClean="0"/>
+              <a:t>.</a:t>
+            </a:r>
+          </a:p>
+          <a:p>
+            <a:r>
+              <a:rPr lang="en-US" sz="1600" dirty="0"/>
+              <a:t>Project sponsored by the National Security Agency under grant Number </a:t>
+            </a:r>
+            <a:r>
+              <a:rPr lang="en-US" sz="1600" dirty="0" smtClean="0"/>
+              <a:t>H98230-17-1-0199. The </a:t>
+            </a:r>
+            <a:r>
+              <a:rPr lang="en-US" sz="1600" dirty="0"/>
+              <a:t>United States Government is authorized to reproduce and distribute reprints notwithstanding any copyright notation herein.</a:t>
+            </a:r>
+          </a:p>
+          <a:p>
+            <a:endParaRPr lang="en-US" sz="1600" dirty="0"/>
+          </a:p>
+        </p:txBody>
+      </p:sp>
     </p:spTree>
     <p:custDataLst>
       <p:tags r:id="rId1"/>
     </p:custDataLst>
     <p:extLst>
       <p:ext uri="{BB962C8B-B14F-4D97-AF65-F5344CB8AC3E}">
-        <p14:creationId xmlns:p14="http://schemas.microsoft.com/office/powerpoint/2010/main" val="1892705052"/>
+        <p14:creationId xmlns:p14="http://schemas.microsoft.com/office/powerpoint/2010/main" val="1772069530"/>
       </p:ext>
     </p:extLst>
   </p:cSld>
@@ -11811,7 +12106,7 @@
           <p:cNvPr id="2" name="Title 1">
             <a:extLst>
               <a:ext uri="{FF2B5EF4-FFF2-40B4-BE49-F238E27FC236}">
-                <a16:creationId xmlns:a16="http://schemas.microsoft.com/office/drawing/2014/main" xmlns="" id="{4FDDDE79-84CD-4BD4-8191-64CD17F70EB2}"/>
+                <a16:creationId xmlns="" xmlns:a16="http://schemas.microsoft.com/office/drawing/2014/main" id="{4FDDDE79-84CD-4BD4-8191-64CD17F70EB2}"/>
               </a:ext>
             </a:extLst>
           </p:cNvPr>
@@ -11839,7 +12134,7 @@
           <p:cNvPr id="3" name="Content Placeholder 2">
             <a:extLst>
               <a:ext uri="{FF2B5EF4-FFF2-40B4-BE49-F238E27FC236}">
-                <a16:creationId xmlns:a16="http://schemas.microsoft.com/office/drawing/2014/main" xmlns="" id="{1E11D7D9-AFF5-4F1C-A116-5D460DCCEF0D}"/>
+                <a16:creationId xmlns="" xmlns:a16="http://schemas.microsoft.com/office/drawing/2014/main" id="{1E11D7D9-AFF5-4F1C-A116-5D460DCCEF0D}"/>
               </a:ext>
             </a:extLst>
           </p:cNvPr>
@@ -11910,7 +12205,7 @@
           <p:cNvPr id="4" name="Slide Number Placeholder 3">
             <a:extLst>
               <a:ext uri="{FF2B5EF4-FFF2-40B4-BE49-F238E27FC236}">
-                <a16:creationId xmlns:a16="http://schemas.microsoft.com/office/drawing/2014/main" xmlns="" id="{95BCECBD-F96D-47DA-9A6D-248B240ABC8D}"/>
+                <a16:creationId xmlns="" xmlns:a16="http://schemas.microsoft.com/office/drawing/2014/main" id="{95BCECBD-F96D-47DA-9A6D-248B240ABC8D}"/>
               </a:ext>
             </a:extLst>
           </p:cNvPr>
@@ -12033,7 +12328,7 @@
           <p:cNvPr id="3" name="Slide Number Placeholder 2">
             <a:extLst>
               <a:ext uri="{FF2B5EF4-FFF2-40B4-BE49-F238E27FC236}">
-                <a16:creationId xmlns:a16="http://schemas.microsoft.com/office/drawing/2014/main" xmlns="" id="{0B1163B0-19D9-4859-8B88-CD4B646011C3}"/>
+                <a16:creationId xmlns="" xmlns:a16="http://schemas.microsoft.com/office/drawing/2014/main" id="{0B1163B0-19D9-4859-8B88-CD4B646011C3}"/>
               </a:ext>
             </a:extLst>
           </p:cNvPr>
@@ -12096,7 +12391,7 @@
           <p:cNvPr id="2" name="Title 1">
             <a:extLst>
               <a:ext uri="{FF2B5EF4-FFF2-40B4-BE49-F238E27FC236}">
-                <a16:creationId xmlns:a16="http://schemas.microsoft.com/office/drawing/2014/main" xmlns="" id="{653F1216-D54C-404C-8455-0AAF8766C65B}"/>
+                <a16:creationId xmlns="" xmlns:a16="http://schemas.microsoft.com/office/drawing/2014/main" id="{653F1216-D54C-404C-8455-0AAF8766C65B}"/>
               </a:ext>
             </a:extLst>
           </p:cNvPr>
@@ -12124,7 +12419,7 @@
           <p:cNvPr id="3" name="Content Placeholder 2">
             <a:extLst>
               <a:ext uri="{FF2B5EF4-FFF2-40B4-BE49-F238E27FC236}">
-                <a16:creationId xmlns:a16="http://schemas.microsoft.com/office/drawing/2014/main" xmlns="" id="{F51A51E7-3FB2-499B-8551-B9F22808FD70}"/>
+                <a16:creationId xmlns="" xmlns:a16="http://schemas.microsoft.com/office/drawing/2014/main" id="{F51A51E7-3FB2-499B-8551-B9F22808FD70}"/>
               </a:ext>
             </a:extLst>
           </p:cNvPr>
@@ -12208,7 +12503,7 @@
           <p:cNvPr id="4" name="Slide Number Placeholder 3">
             <a:extLst>
               <a:ext uri="{FF2B5EF4-FFF2-40B4-BE49-F238E27FC236}">
-                <a16:creationId xmlns:a16="http://schemas.microsoft.com/office/drawing/2014/main" xmlns="" id="{FE8E8814-E9C8-4BB1-92D8-AD9C5E200166}"/>
+                <a16:creationId xmlns="" xmlns:a16="http://schemas.microsoft.com/office/drawing/2014/main" id="{FE8E8814-E9C8-4BB1-92D8-AD9C5E200166}"/>
               </a:ext>
             </a:extLst>
           </p:cNvPr>
@@ -12276,7 +12571,7 @@
           <p:cNvPr id="2" name="Title 1">
             <a:extLst>
               <a:ext uri="{FF2B5EF4-FFF2-40B4-BE49-F238E27FC236}">
-                <a16:creationId xmlns:a16="http://schemas.microsoft.com/office/drawing/2014/main" xmlns="" id="{5399E8CE-49F0-42CD-A34D-3187700425A8}"/>
+                <a16:creationId xmlns="" xmlns:a16="http://schemas.microsoft.com/office/drawing/2014/main" id="{5399E8CE-49F0-42CD-A34D-3187700425A8}"/>
               </a:ext>
             </a:extLst>
           </p:cNvPr>
@@ -12304,7 +12599,7 @@
           <p:cNvPr id="5" name="Content Placeholder 4">
             <a:extLst>
               <a:ext uri="{FF2B5EF4-FFF2-40B4-BE49-F238E27FC236}">
-                <a16:creationId xmlns:a16="http://schemas.microsoft.com/office/drawing/2014/main" xmlns="" id="{F9D7581E-6E7D-45C3-ADCA-BE311C452516}"/>
+                <a16:creationId xmlns="" xmlns:a16="http://schemas.microsoft.com/office/drawing/2014/main" id="{F9D7581E-6E7D-45C3-ADCA-BE311C452516}"/>
               </a:ext>
             </a:extLst>
           </p:cNvPr>
@@ -12334,49 +12629,49 @@
                 <a:gridCol w="1126671">
                   <a:extLst>
                     <a:ext uri="{9D8B030D-6E8A-4147-A177-3AD203B41FA5}">
-                      <a16:colId xmlns:a16="http://schemas.microsoft.com/office/drawing/2014/main" xmlns="" val="2544065279"/>
+                      <a16:colId xmlns="" xmlns:a16="http://schemas.microsoft.com/office/drawing/2014/main" val="2544065279"/>
                     </a:ext>
                   </a:extLst>
                 </a:gridCol>
                 <a:gridCol w="1126671">
                   <a:extLst>
                     <a:ext uri="{9D8B030D-6E8A-4147-A177-3AD203B41FA5}">
-                      <a16:colId xmlns:a16="http://schemas.microsoft.com/office/drawing/2014/main" xmlns="" val="3918184375"/>
+                      <a16:colId xmlns="" xmlns:a16="http://schemas.microsoft.com/office/drawing/2014/main" val="3918184375"/>
                     </a:ext>
                   </a:extLst>
                 </a:gridCol>
                 <a:gridCol w="1126671">
                   <a:extLst>
                     <a:ext uri="{9D8B030D-6E8A-4147-A177-3AD203B41FA5}">
-                      <a16:colId xmlns:a16="http://schemas.microsoft.com/office/drawing/2014/main" xmlns="" val="4200664565"/>
+                      <a16:colId xmlns="" xmlns:a16="http://schemas.microsoft.com/office/drawing/2014/main" val="4200664565"/>
                     </a:ext>
                   </a:extLst>
                 </a:gridCol>
                 <a:gridCol w="1126671">
                   <a:extLst>
                     <a:ext uri="{9D8B030D-6E8A-4147-A177-3AD203B41FA5}">
-                      <a16:colId xmlns:a16="http://schemas.microsoft.com/office/drawing/2014/main" xmlns="" val="2364420389"/>
+                      <a16:colId xmlns="" xmlns:a16="http://schemas.microsoft.com/office/drawing/2014/main" val="2364420389"/>
                     </a:ext>
                   </a:extLst>
                 </a:gridCol>
                 <a:gridCol w="1126671">
                   <a:extLst>
                     <a:ext uri="{9D8B030D-6E8A-4147-A177-3AD203B41FA5}">
-                      <a16:colId xmlns:a16="http://schemas.microsoft.com/office/drawing/2014/main" xmlns="" val="3777100756"/>
+                      <a16:colId xmlns="" xmlns:a16="http://schemas.microsoft.com/office/drawing/2014/main" val="3777100756"/>
                     </a:ext>
                   </a:extLst>
                 </a:gridCol>
                 <a:gridCol w="1126671">
                   <a:extLst>
                     <a:ext uri="{9D8B030D-6E8A-4147-A177-3AD203B41FA5}">
-                      <a16:colId xmlns:a16="http://schemas.microsoft.com/office/drawing/2014/main" xmlns="" val="1665960758"/>
+                      <a16:colId xmlns="" xmlns:a16="http://schemas.microsoft.com/office/drawing/2014/main" val="1665960758"/>
                     </a:ext>
                   </a:extLst>
                 </a:gridCol>
                 <a:gridCol w="1126671">
                   <a:extLst>
                     <a:ext uri="{9D8B030D-6E8A-4147-A177-3AD203B41FA5}">
-                      <a16:colId xmlns:a16="http://schemas.microsoft.com/office/drawing/2014/main" xmlns="" val="4125320286"/>
+                      <a16:colId xmlns="" xmlns:a16="http://schemas.microsoft.com/office/drawing/2014/main" val="4125320286"/>
                     </a:ext>
                   </a:extLst>
                 </a:gridCol>
@@ -12484,7 +12779,7 @@
                 </a:tc>
                 <a:extLst>
                   <a:ext uri="{0D108BD9-81ED-4DB2-BD59-A6C34878D82A}">
-                    <a16:rowId xmlns:a16="http://schemas.microsoft.com/office/drawing/2014/main" xmlns="" val="3490612483"/>
+                    <a16:rowId xmlns="" xmlns:a16="http://schemas.microsoft.com/office/drawing/2014/main" val="3490612483"/>
                   </a:ext>
                 </a:extLst>
               </a:tr>
@@ -12497,7 +12792,7 @@
           <p:cNvPr id="4" name="Slide Number Placeholder 3">
             <a:extLst>
               <a:ext uri="{FF2B5EF4-FFF2-40B4-BE49-F238E27FC236}">
-                <a16:creationId xmlns:a16="http://schemas.microsoft.com/office/drawing/2014/main" xmlns="" id="{B1673D7D-B298-4176-B04D-5D493E68D135}"/>
+                <a16:creationId xmlns="" xmlns:a16="http://schemas.microsoft.com/office/drawing/2014/main" id="{B1673D7D-B298-4176-B04D-5D493E68D135}"/>
               </a:ext>
             </a:extLst>
           </p:cNvPr>
@@ -12532,7 +12827,7 @@
           <p:cNvPr id="6" name="TextBox 5">
             <a:extLst>
               <a:ext uri="{FF2B5EF4-FFF2-40B4-BE49-F238E27FC236}">
-                <a16:creationId xmlns:a16="http://schemas.microsoft.com/office/drawing/2014/main" xmlns="" id="{C685825E-B038-4BD4-A3E3-E38D0FFAD9DC}"/>
+                <a16:creationId xmlns="" xmlns:a16="http://schemas.microsoft.com/office/drawing/2014/main" id="{C685825E-B038-4BD4-A3E3-E38D0FFAD9DC}"/>
               </a:ext>
             </a:extLst>
           </p:cNvPr>
@@ -12862,7 +13157,7 @@
           <p:cNvPr id="2" name="Title 1">
             <a:extLst>
               <a:ext uri="{FF2B5EF4-FFF2-40B4-BE49-F238E27FC236}">
-                <a16:creationId xmlns:a16="http://schemas.microsoft.com/office/drawing/2014/main" xmlns="" id="{56497CD8-76B5-48C0-837E-1AB17AAA4AD7}"/>
+                <a16:creationId xmlns="" xmlns:a16="http://schemas.microsoft.com/office/drawing/2014/main" id="{56497CD8-76B5-48C0-837E-1AB17AAA4AD7}"/>
               </a:ext>
             </a:extLst>
           </p:cNvPr>
@@ -12890,7 +13185,7 @@
           <p:cNvPr id="3" name="Content Placeholder 2">
             <a:extLst>
               <a:ext uri="{FF2B5EF4-FFF2-40B4-BE49-F238E27FC236}">
-                <a16:creationId xmlns:a16="http://schemas.microsoft.com/office/drawing/2014/main" xmlns="" id="{A0D26889-9DCA-4564-98C3-367227A28A9C}"/>
+                <a16:creationId xmlns="" xmlns:a16="http://schemas.microsoft.com/office/drawing/2014/main" id="{A0D26889-9DCA-4564-98C3-367227A28A9C}"/>
               </a:ext>
             </a:extLst>
           </p:cNvPr>
@@ -12971,7 +13266,7 @@
           <p:cNvPr id="4" name="Slide Number Placeholder 3">
             <a:extLst>
               <a:ext uri="{FF2B5EF4-FFF2-40B4-BE49-F238E27FC236}">
-                <a16:creationId xmlns:a16="http://schemas.microsoft.com/office/drawing/2014/main" xmlns="" id="{E51328A2-9EB9-4909-9025-2EE8FD3B626F}"/>
+                <a16:creationId xmlns="" xmlns:a16="http://schemas.microsoft.com/office/drawing/2014/main" id="{E51328A2-9EB9-4909-9025-2EE8FD3B626F}"/>
               </a:ext>
             </a:extLst>
           </p:cNvPr>
@@ -13039,7 +13334,7 @@
           <p:cNvPr id="2" name="Title 1">
             <a:extLst>
               <a:ext uri="{FF2B5EF4-FFF2-40B4-BE49-F238E27FC236}">
-                <a16:creationId xmlns:a16="http://schemas.microsoft.com/office/drawing/2014/main" xmlns="" id="{41C81684-56C2-46D2-8F7A-84CE98204017}"/>
+                <a16:creationId xmlns="" xmlns:a16="http://schemas.microsoft.com/office/drawing/2014/main" id="{41C81684-56C2-46D2-8F7A-84CE98204017}"/>
               </a:ext>
             </a:extLst>
           </p:cNvPr>
@@ -13067,7 +13362,7 @@
           <p:cNvPr id="3" name="Content Placeholder 2">
             <a:extLst>
               <a:ext uri="{FF2B5EF4-FFF2-40B4-BE49-F238E27FC236}">
-                <a16:creationId xmlns:a16="http://schemas.microsoft.com/office/drawing/2014/main" xmlns="" id="{A8A1ED16-8E1E-4D12-A7D5-E0D28A4A33DE}"/>
+                <a16:creationId xmlns="" xmlns:a16="http://schemas.microsoft.com/office/drawing/2014/main" id="{A8A1ED16-8E1E-4D12-A7D5-E0D28A4A33DE}"/>
               </a:ext>
             </a:extLst>
           </p:cNvPr>
@@ -13208,7 +13503,7 @@
           <p:cNvPr id="4" name="Slide Number Placeholder 3">
             <a:extLst>
               <a:ext uri="{FF2B5EF4-FFF2-40B4-BE49-F238E27FC236}">
-                <a16:creationId xmlns:a16="http://schemas.microsoft.com/office/drawing/2014/main" xmlns="" id="{EDCFC6F6-827B-4FE0-A273-0A74D26358BF}"/>
+                <a16:creationId xmlns="" xmlns:a16="http://schemas.microsoft.com/office/drawing/2014/main" id="{EDCFC6F6-827B-4FE0-A273-0A74D26358BF}"/>
               </a:ext>
             </a:extLst>
           </p:cNvPr>
@@ -13276,7 +13571,7 @@
           <p:cNvPr id="2" name="Title 1">
             <a:extLst>
               <a:ext uri="{FF2B5EF4-FFF2-40B4-BE49-F238E27FC236}">
-                <a16:creationId xmlns:a16="http://schemas.microsoft.com/office/drawing/2014/main" xmlns="" id="{8BFACF42-0164-40BB-8D61-3E86BC2D0401}"/>
+                <a16:creationId xmlns="" xmlns:a16="http://schemas.microsoft.com/office/drawing/2014/main" id="{8BFACF42-0164-40BB-8D61-3E86BC2D0401}"/>
               </a:ext>
             </a:extLst>
           </p:cNvPr>
@@ -13304,7 +13599,7 @@
           <p:cNvPr id="3" name="Content Placeholder 2">
             <a:extLst>
               <a:ext uri="{FF2B5EF4-FFF2-40B4-BE49-F238E27FC236}">
-                <a16:creationId xmlns:a16="http://schemas.microsoft.com/office/drawing/2014/main" xmlns="" id="{042D6AEC-FB46-49C9-B485-FB768D0A382B}"/>
+                <a16:creationId xmlns="" xmlns:a16="http://schemas.microsoft.com/office/drawing/2014/main" id="{042D6AEC-FB46-49C9-B485-FB768D0A382B}"/>
               </a:ext>
             </a:extLst>
           </p:cNvPr>
@@ -13428,7 +13723,7 @@
           <p:cNvPr id="4" name="Slide Number Placeholder 3">
             <a:extLst>
               <a:ext uri="{FF2B5EF4-FFF2-40B4-BE49-F238E27FC236}">
-                <a16:creationId xmlns:a16="http://schemas.microsoft.com/office/drawing/2014/main" xmlns="" id="{545BB266-D422-4D2B-8463-E53CE044D120}"/>
+                <a16:creationId xmlns="" xmlns:a16="http://schemas.microsoft.com/office/drawing/2014/main" id="{545BB266-D422-4D2B-8463-E53CE044D120}"/>
               </a:ext>
             </a:extLst>
           </p:cNvPr>
@@ -13496,7 +13791,7 @@
           <p:cNvPr id="2" name="Title 1">
             <a:extLst>
               <a:ext uri="{FF2B5EF4-FFF2-40B4-BE49-F238E27FC236}">
-                <a16:creationId xmlns:a16="http://schemas.microsoft.com/office/drawing/2014/main" xmlns="" id="{8D5AB79B-AE33-42C6-BC9B-F6C87EDE7FBF}"/>
+                <a16:creationId xmlns="" xmlns:a16="http://schemas.microsoft.com/office/drawing/2014/main" id="{8D5AB79B-AE33-42C6-BC9B-F6C87EDE7FBF}"/>
               </a:ext>
             </a:extLst>
           </p:cNvPr>
@@ -13524,7 +13819,7 @@
           <p:cNvPr id="3" name="Content Placeholder 2">
             <a:extLst>
               <a:ext uri="{FF2B5EF4-FFF2-40B4-BE49-F238E27FC236}">
-                <a16:creationId xmlns:a16="http://schemas.microsoft.com/office/drawing/2014/main" xmlns="" id="{0E4F292E-D18B-4C34-AADB-F8615620A59A}"/>
+                <a16:creationId xmlns="" xmlns:a16="http://schemas.microsoft.com/office/drawing/2014/main" id="{0E4F292E-D18B-4C34-AADB-F8615620A59A}"/>
               </a:ext>
             </a:extLst>
           </p:cNvPr>
@@ -13596,7 +13891,7 @@
           <p:cNvPr id="4" name="Slide Number Placeholder 3">
             <a:extLst>
               <a:ext uri="{FF2B5EF4-FFF2-40B4-BE49-F238E27FC236}">
-                <a16:creationId xmlns:a16="http://schemas.microsoft.com/office/drawing/2014/main" xmlns="" id="{EE509C6B-60DD-47F4-A837-24E986D4E6A4}"/>
+                <a16:creationId xmlns="" xmlns:a16="http://schemas.microsoft.com/office/drawing/2014/main" id="{EE509C6B-60DD-47F4-A837-24E986D4E6A4}"/>
               </a:ext>
             </a:extLst>
           </p:cNvPr>
@@ -13762,6 +14057,13 @@
 <file path=ppt/tags/tag26.xml><?xml version="1.0" encoding="utf-8"?>
 <p:tagLst xmlns:a="http://schemas.openxmlformats.org/drawingml/2006/main" xmlns:r="http://schemas.openxmlformats.org/officeDocument/2006/relationships" xmlns:p="http://schemas.openxmlformats.org/presentationml/2006/main">
   <p:tag name="AUDIO_ID" val="333"/>
+  <p:tag name="ARTICULATE_NAV_LEVEL" val="1"/>
+  <p:tag name="ARTICULATE_TOC_EXPANDED" val="True"/>
+  <p:tag name="ARTICULATE_SLIDE_PRESENTER_GUID" val="b6afec6b-4ad9-49aa-931c-79381ce9333b"/>
+  <p:tag name="ARTICULATE_SLIDE_PAUSE" val="0"/>
+  <p:tag name="ARTICULATE_HIDE_SLIDE" val="0"/>
+  <p:tag name="ARTICULATE_PLAYER_CONTROL_PREVIOUS" val="True"/>
+  <p:tag name="ARTICULATE_PLAYER_CONTROL_NEXT" val="True"/>
   <p:tag name="ARTICULATE_USED_LAYOUT" val="9"/>
   <p:tag name="ARTICULATE_SLIDE_THUMBNAIL_REFRESH" val="1"/>
 </p:tagLst>
